--- a/hsw/반려동물관리서비스.pptx
+++ b/hsw/반려동물관리서비스.pptx
@@ -159,7 +159,7 @@
           <p:cNvPr id="2" name="제목 1">
             <a:extLst>
               <a:ext uri="{FF2B5EF4-FFF2-40B4-BE49-F238E27FC236}">
-                <a16:creationId xmlns="" xmlns:a16="http://schemas.microsoft.com/office/drawing/2014/main" id="{9E5E4632-E9C2-430D-8860-5B671341959C}"/>
+                <a16:creationId xmlns:a16="http://schemas.microsoft.com/office/drawing/2014/main" xmlns="" id="{9E5E4632-E9C2-430D-8860-5B671341959C}"/>
               </a:ext>
             </a:extLst>
           </p:cNvPr>
@@ -196,7 +196,7 @@
           <p:cNvPr id="3" name="부제목 2">
             <a:extLst>
               <a:ext uri="{FF2B5EF4-FFF2-40B4-BE49-F238E27FC236}">
-                <a16:creationId xmlns="" xmlns:a16="http://schemas.microsoft.com/office/drawing/2014/main" id="{8516A487-29F9-4EB6-A4BF-CF7F6C176945}"/>
+                <a16:creationId xmlns:a16="http://schemas.microsoft.com/office/drawing/2014/main" xmlns="" id="{8516A487-29F9-4EB6-A4BF-CF7F6C176945}"/>
               </a:ext>
             </a:extLst>
           </p:cNvPr>
@@ -266,7 +266,7 @@
           <p:cNvPr id="4" name="날짜 개체 틀 3">
             <a:extLst>
               <a:ext uri="{FF2B5EF4-FFF2-40B4-BE49-F238E27FC236}">
-                <a16:creationId xmlns="" xmlns:a16="http://schemas.microsoft.com/office/drawing/2014/main" id="{5458794D-BF22-4D43-9B43-3407B0731DF3}"/>
+                <a16:creationId xmlns:a16="http://schemas.microsoft.com/office/drawing/2014/main" xmlns="" id="{5458794D-BF22-4D43-9B43-3407B0731DF3}"/>
               </a:ext>
             </a:extLst>
           </p:cNvPr>
@@ -295,7 +295,7 @@
           <p:cNvPr id="5" name="바닥글 개체 틀 4">
             <a:extLst>
               <a:ext uri="{FF2B5EF4-FFF2-40B4-BE49-F238E27FC236}">
-                <a16:creationId xmlns="" xmlns:a16="http://schemas.microsoft.com/office/drawing/2014/main" id="{B1CF189C-4CDA-41C3-A048-F232B4C4B8D2}"/>
+                <a16:creationId xmlns:a16="http://schemas.microsoft.com/office/drawing/2014/main" xmlns="" id="{B1CF189C-4CDA-41C3-A048-F232B4C4B8D2}"/>
               </a:ext>
             </a:extLst>
           </p:cNvPr>
@@ -320,7 +320,7 @@
           <p:cNvPr id="6" name="슬라이드 번호 개체 틀 5">
             <a:extLst>
               <a:ext uri="{FF2B5EF4-FFF2-40B4-BE49-F238E27FC236}">
-                <a16:creationId xmlns="" xmlns:a16="http://schemas.microsoft.com/office/drawing/2014/main" id="{BAF061BA-CD52-4A93-9968-2D177FB0947C}"/>
+                <a16:creationId xmlns:a16="http://schemas.microsoft.com/office/drawing/2014/main" xmlns="" id="{BAF061BA-CD52-4A93-9968-2D177FB0947C}"/>
               </a:ext>
             </a:extLst>
           </p:cNvPr>
@@ -379,7 +379,7 @@
           <p:cNvPr id="2" name="제목 1">
             <a:extLst>
               <a:ext uri="{FF2B5EF4-FFF2-40B4-BE49-F238E27FC236}">
-                <a16:creationId xmlns="" xmlns:a16="http://schemas.microsoft.com/office/drawing/2014/main" id="{C7E2F226-2DB6-4832-A3E8-E1A82BC8412B}"/>
+                <a16:creationId xmlns:a16="http://schemas.microsoft.com/office/drawing/2014/main" xmlns="" id="{C7E2F226-2DB6-4832-A3E8-E1A82BC8412B}"/>
               </a:ext>
             </a:extLst>
           </p:cNvPr>
@@ -407,7 +407,7 @@
           <p:cNvPr id="3" name="세로 텍스트 개체 틀 2">
             <a:extLst>
               <a:ext uri="{FF2B5EF4-FFF2-40B4-BE49-F238E27FC236}">
-                <a16:creationId xmlns="" xmlns:a16="http://schemas.microsoft.com/office/drawing/2014/main" id="{35E32266-CD01-4901-8FE7-5010FC0706F7}"/>
+                <a16:creationId xmlns:a16="http://schemas.microsoft.com/office/drawing/2014/main" xmlns="" id="{35E32266-CD01-4901-8FE7-5010FC0706F7}"/>
               </a:ext>
             </a:extLst>
           </p:cNvPr>
@@ -464,7 +464,7 @@
           <p:cNvPr id="4" name="날짜 개체 틀 3">
             <a:extLst>
               <a:ext uri="{FF2B5EF4-FFF2-40B4-BE49-F238E27FC236}">
-                <a16:creationId xmlns="" xmlns:a16="http://schemas.microsoft.com/office/drawing/2014/main" id="{8918B274-9924-4562-A19B-0EF8383C8F5F}"/>
+                <a16:creationId xmlns:a16="http://schemas.microsoft.com/office/drawing/2014/main" xmlns="" id="{8918B274-9924-4562-A19B-0EF8383C8F5F}"/>
               </a:ext>
             </a:extLst>
           </p:cNvPr>
@@ -493,7 +493,7 @@
           <p:cNvPr id="5" name="바닥글 개체 틀 4">
             <a:extLst>
               <a:ext uri="{FF2B5EF4-FFF2-40B4-BE49-F238E27FC236}">
-                <a16:creationId xmlns="" xmlns:a16="http://schemas.microsoft.com/office/drawing/2014/main" id="{48ABDFFA-1327-4FDA-A13E-DCF7D4AB5F2C}"/>
+                <a16:creationId xmlns:a16="http://schemas.microsoft.com/office/drawing/2014/main" xmlns="" id="{48ABDFFA-1327-4FDA-A13E-DCF7D4AB5F2C}"/>
               </a:ext>
             </a:extLst>
           </p:cNvPr>
@@ -518,7 +518,7 @@
           <p:cNvPr id="6" name="슬라이드 번호 개체 틀 5">
             <a:extLst>
               <a:ext uri="{FF2B5EF4-FFF2-40B4-BE49-F238E27FC236}">
-                <a16:creationId xmlns="" xmlns:a16="http://schemas.microsoft.com/office/drawing/2014/main" id="{7E941122-80C3-410F-B4B5-38B3C974463E}"/>
+                <a16:creationId xmlns:a16="http://schemas.microsoft.com/office/drawing/2014/main" xmlns="" id="{7E941122-80C3-410F-B4B5-38B3C974463E}"/>
               </a:ext>
             </a:extLst>
           </p:cNvPr>
@@ -577,7 +577,7 @@
           <p:cNvPr id="2" name="세로 제목 1">
             <a:extLst>
               <a:ext uri="{FF2B5EF4-FFF2-40B4-BE49-F238E27FC236}">
-                <a16:creationId xmlns="" xmlns:a16="http://schemas.microsoft.com/office/drawing/2014/main" id="{F39004B4-A2BB-4353-9490-3CFBF08BEECF}"/>
+                <a16:creationId xmlns:a16="http://schemas.microsoft.com/office/drawing/2014/main" xmlns="" id="{F39004B4-A2BB-4353-9490-3CFBF08BEECF}"/>
               </a:ext>
             </a:extLst>
           </p:cNvPr>
@@ -610,7 +610,7 @@
           <p:cNvPr id="3" name="세로 텍스트 개체 틀 2">
             <a:extLst>
               <a:ext uri="{FF2B5EF4-FFF2-40B4-BE49-F238E27FC236}">
-                <a16:creationId xmlns="" xmlns:a16="http://schemas.microsoft.com/office/drawing/2014/main" id="{17E252EA-6994-4BCF-9119-33B60AFB14F3}"/>
+                <a16:creationId xmlns:a16="http://schemas.microsoft.com/office/drawing/2014/main" xmlns="" id="{17E252EA-6994-4BCF-9119-33B60AFB14F3}"/>
               </a:ext>
             </a:extLst>
           </p:cNvPr>
@@ -672,7 +672,7 @@
           <p:cNvPr id="4" name="날짜 개체 틀 3">
             <a:extLst>
               <a:ext uri="{FF2B5EF4-FFF2-40B4-BE49-F238E27FC236}">
-                <a16:creationId xmlns="" xmlns:a16="http://schemas.microsoft.com/office/drawing/2014/main" id="{205F8584-D66D-4296-852C-CFABE2A758E0}"/>
+                <a16:creationId xmlns:a16="http://schemas.microsoft.com/office/drawing/2014/main" xmlns="" id="{205F8584-D66D-4296-852C-CFABE2A758E0}"/>
               </a:ext>
             </a:extLst>
           </p:cNvPr>
@@ -701,7 +701,7 @@
           <p:cNvPr id="5" name="바닥글 개체 틀 4">
             <a:extLst>
               <a:ext uri="{FF2B5EF4-FFF2-40B4-BE49-F238E27FC236}">
-                <a16:creationId xmlns="" xmlns:a16="http://schemas.microsoft.com/office/drawing/2014/main" id="{A78C3D8F-5F5B-47A5-9BBC-6F058C6ECD7E}"/>
+                <a16:creationId xmlns:a16="http://schemas.microsoft.com/office/drawing/2014/main" xmlns="" id="{A78C3D8F-5F5B-47A5-9BBC-6F058C6ECD7E}"/>
               </a:ext>
             </a:extLst>
           </p:cNvPr>
@@ -726,7 +726,7 @@
           <p:cNvPr id="6" name="슬라이드 번호 개체 틀 5">
             <a:extLst>
               <a:ext uri="{FF2B5EF4-FFF2-40B4-BE49-F238E27FC236}">
-                <a16:creationId xmlns="" xmlns:a16="http://schemas.microsoft.com/office/drawing/2014/main" id="{7E72ED3D-DC97-4CF5-A83F-A0F4CD5D3061}"/>
+                <a16:creationId xmlns:a16="http://schemas.microsoft.com/office/drawing/2014/main" xmlns="" id="{7E72ED3D-DC97-4CF5-A83F-A0F4CD5D3061}"/>
               </a:ext>
             </a:extLst>
           </p:cNvPr>
@@ -785,7 +785,7 @@
           <p:cNvPr id="2" name="제목 1">
             <a:extLst>
               <a:ext uri="{FF2B5EF4-FFF2-40B4-BE49-F238E27FC236}">
-                <a16:creationId xmlns="" xmlns:a16="http://schemas.microsoft.com/office/drawing/2014/main" id="{2478CD97-4610-41D5-9293-07E4F7EF8330}"/>
+                <a16:creationId xmlns:a16="http://schemas.microsoft.com/office/drawing/2014/main" xmlns="" id="{2478CD97-4610-41D5-9293-07E4F7EF8330}"/>
               </a:ext>
             </a:extLst>
           </p:cNvPr>
@@ -813,7 +813,7 @@
           <p:cNvPr id="3" name="내용 개체 틀 2">
             <a:extLst>
               <a:ext uri="{FF2B5EF4-FFF2-40B4-BE49-F238E27FC236}">
-                <a16:creationId xmlns="" xmlns:a16="http://schemas.microsoft.com/office/drawing/2014/main" id="{A4761A08-28DB-4E61-B23C-47F9FF94B03B}"/>
+                <a16:creationId xmlns:a16="http://schemas.microsoft.com/office/drawing/2014/main" xmlns="" id="{A4761A08-28DB-4E61-B23C-47F9FF94B03B}"/>
               </a:ext>
             </a:extLst>
           </p:cNvPr>
@@ -870,7 +870,7 @@
           <p:cNvPr id="4" name="날짜 개체 틀 3">
             <a:extLst>
               <a:ext uri="{FF2B5EF4-FFF2-40B4-BE49-F238E27FC236}">
-                <a16:creationId xmlns="" xmlns:a16="http://schemas.microsoft.com/office/drawing/2014/main" id="{8A0B1E4E-9D0C-4F38-8350-90F7893A1DD4}"/>
+                <a16:creationId xmlns:a16="http://schemas.microsoft.com/office/drawing/2014/main" xmlns="" id="{8A0B1E4E-9D0C-4F38-8350-90F7893A1DD4}"/>
               </a:ext>
             </a:extLst>
           </p:cNvPr>
@@ -899,7 +899,7 @@
           <p:cNvPr id="5" name="바닥글 개체 틀 4">
             <a:extLst>
               <a:ext uri="{FF2B5EF4-FFF2-40B4-BE49-F238E27FC236}">
-                <a16:creationId xmlns="" xmlns:a16="http://schemas.microsoft.com/office/drawing/2014/main" id="{3EB51119-FFCC-46AF-9F51-2823DEF4A6AF}"/>
+                <a16:creationId xmlns:a16="http://schemas.microsoft.com/office/drawing/2014/main" xmlns="" id="{3EB51119-FFCC-46AF-9F51-2823DEF4A6AF}"/>
               </a:ext>
             </a:extLst>
           </p:cNvPr>
@@ -924,7 +924,7 @@
           <p:cNvPr id="6" name="슬라이드 번호 개체 틀 5">
             <a:extLst>
               <a:ext uri="{FF2B5EF4-FFF2-40B4-BE49-F238E27FC236}">
-                <a16:creationId xmlns="" xmlns:a16="http://schemas.microsoft.com/office/drawing/2014/main" id="{5E5C2C86-356F-4ACF-9EEC-3B3D8462A39C}"/>
+                <a16:creationId xmlns:a16="http://schemas.microsoft.com/office/drawing/2014/main" xmlns="" id="{5E5C2C86-356F-4ACF-9EEC-3B3D8462A39C}"/>
               </a:ext>
             </a:extLst>
           </p:cNvPr>
@@ -983,7 +983,7 @@
           <p:cNvPr id="2" name="제목 1">
             <a:extLst>
               <a:ext uri="{FF2B5EF4-FFF2-40B4-BE49-F238E27FC236}">
-                <a16:creationId xmlns="" xmlns:a16="http://schemas.microsoft.com/office/drawing/2014/main" id="{DBF78962-7159-4DAF-9E07-D4AC9AFA9BC1}"/>
+                <a16:creationId xmlns:a16="http://schemas.microsoft.com/office/drawing/2014/main" xmlns="" id="{DBF78962-7159-4DAF-9E07-D4AC9AFA9BC1}"/>
               </a:ext>
             </a:extLst>
           </p:cNvPr>
@@ -1020,7 +1020,7 @@
           <p:cNvPr id="3" name="텍스트 개체 틀 2">
             <a:extLst>
               <a:ext uri="{FF2B5EF4-FFF2-40B4-BE49-F238E27FC236}">
-                <a16:creationId xmlns="" xmlns:a16="http://schemas.microsoft.com/office/drawing/2014/main" id="{FAB5D699-135E-49BA-9606-CB890CD5D6CE}"/>
+                <a16:creationId xmlns:a16="http://schemas.microsoft.com/office/drawing/2014/main" xmlns="" id="{FAB5D699-135E-49BA-9606-CB890CD5D6CE}"/>
               </a:ext>
             </a:extLst>
           </p:cNvPr>
@@ -1145,7 +1145,7 @@
           <p:cNvPr id="4" name="날짜 개체 틀 3">
             <a:extLst>
               <a:ext uri="{FF2B5EF4-FFF2-40B4-BE49-F238E27FC236}">
-                <a16:creationId xmlns="" xmlns:a16="http://schemas.microsoft.com/office/drawing/2014/main" id="{3717AFA4-E80B-48F1-B566-3D5FA0DCC2E5}"/>
+                <a16:creationId xmlns:a16="http://schemas.microsoft.com/office/drawing/2014/main" xmlns="" id="{3717AFA4-E80B-48F1-B566-3D5FA0DCC2E5}"/>
               </a:ext>
             </a:extLst>
           </p:cNvPr>
@@ -1174,7 +1174,7 @@
           <p:cNvPr id="5" name="바닥글 개체 틀 4">
             <a:extLst>
               <a:ext uri="{FF2B5EF4-FFF2-40B4-BE49-F238E27FC236}">
-                <a16:creationId xmlns="" xmlns:a16="http://schemas.microsoft.com/office/drawing/2014/main" id="{530C7227-51F8-4DD4-93DC-2046C220BC2B}"/>
+                <a16:creationId xmlns:a16="http://schemas.microsoft.com/office/drawing/2014/main" xmlns="" id="{530C7227-51F8-4DD4-93DC-2046C220BC2B}"/>
               </a:ext>
             </a:extLst>
           </p:cNvPr>
@@ -1199,7 +1199,7 @@
           <p:cNvPr id="6" name="슬라이드 번호 개체 틀 5">
             <a:extLst>
               <a:ext uri="{FF2B5EF4-FFF2-40B4-BE49-F238E27FC236}">
-                <a16:creationId xmlns="" xmlns:a16="http://schemas.microsoft.com/office/drawing/2014/main" id="{CF23AE0C-87AE-419F-8C21-C05064D5F98B}"/>
+                <a16:creationId xmlns:a16="http://schemas.microsoft.com/office/drawing/2014/main" xmlns="" id="{CF23AE0C-87AE-419F-8C21-C05064D5F98B}"/>
               </a:ext>
             </a:extLst>
           </p:cNvPr>
@@ -1258,7 +1258,7 @@
           <p:cNvPr id="2" name="제목 1">
             <a:extLst>
               <a:ext uri="{FF2B5EF4-FFF2-40B4-BE49-F238E27FC236}">
-                <a16:creationId xmlns="" xmlns:a16="http://schemas.microsoft.com/office/drawing/2014/main" id="{EF53F05C-1B53-4997-8D4F-574B40BFB6D2}"/>
+                <a16:creationId xmlns:a16="http://schemas.microsoft.com/office/drawing/2014/main" xmlns="" id="{EF53F05C-1B53-4997-8D4F-574B40BFB6D2}"/>
               </a:ext>
             </a:extLst>
           </p:cNvPr>
@@ -1286,7 +1286,7 @@
           <p:cNvPr id="3" name="내용 개체 틀 2">
             <a:extLst>
               <a:ext uri="{FF2B5EF4-FFF2-40B4-BE49-F238E27FC236}">
-                <a16:creationId xmlns="" xmlns:a16="http://schemas.microsoft.com/office/drawing/2014/main" id="{F2EE759F-A91E-45FB-BC0F-52B204A43CE5}"/>
+                <a16:creationId xmlns:a16="http://schemas.microsoft.com/office/drawing/2014/main" xmlns="" id="{F2EE759F-A91E-45FB-BC0F-52B204A43CE5}"/>
               </a:ext>
             </a:extLst>
           </p:cNvPr>
@@ -1348,7 +1348,7 @@
           <p:cNvPr id="4" name="내용 개체 틀 3">
             <a:extLst>
               <a:ext uri="{FF2B5EF4-FFF2-40B4-BE49-F238E27FC236}">
-                <a16:creationId xmlns="" xmlns:a16="http://schemas.microsoft.com/office/drawing/2014/main" id="{CBA814ED-B083-468B-A3B1-B0834E8C8212}"/>
+                <a16:creationId xmlns:a16="http://schemas.microsoft.com/office/drawing/2014/main" xmlns="" id="{CBA814ED-B083-468B-A3B1-B0834E8C8212}"/>
               </a:ext>
             </a:extLst>
           </p:cNvPr>
@@ -1410,7 +1410,7 @@
           <p:cNvPr id="5" name="날짜 개체 틀 4">
             <a:extLst>
               <a:ext uri="{FF2B5EF4-FFF2-40B4-BE49-F238E27FC236}">
-                <a16:creationId xmlns="" xmlns:a16="http://schemas.microsoft.com/office/drawing/2014/main" id="{877DEBD2-BAE9-4C14-A7E8-517148C14EED}"/>
+                <a16:creationId xmlns:a16="http://schemas.microsoft.com/office/drawing/2014/main" xmlns="" id="{877DEBD2-BAE9-4C14-A7E8-517148C14EED}"/>
               </a:ext>
             </a:extLst>
           </p:cNvPr>
@@ -1439,7 +1439,7 @@
           <p:cNvPr id="6" name="바닥글 개체 틀 5">
             <a:extLst>
               <a:ext uri="{FF2B5EF4-FFF2-40B4-BE49-F238E27FC236}">
-                <a16:creationId xmlns="" xmlns:a16="http://schemas.microsoft.com/office/drawing/2014/main" id="{2F72D31F-47DB-4B78-B8CC-AB9D0A4DCEC0}"/>
+                <a16:creationId xmlns:a16="http://schemas.microsoft.com/office/drawing/2014/main" xmlns="" id="{2F72D31F-47DB-4B78-B8CC-AB9D0A4DCEC0}"/>
               </a:ext>
             </a:extLst>
           </p:cNvPr>
@@ -1464,7 +1464,7 @@
           <p:cNvPr id="7" name="슬라이드 번호 개체 틀 6">
             <a:extLst>
               <a:ext uri="{FF2B5EF4-FFF2-40B4-BE49-F238E27FC236}">
-                <a16:creationId xmlns="" xmlns:a16="http://schemas.microsoft.com/office/drawing/2014/main" id="{F1B67971-49C1-46A6-BFE1-F14E5E9F87CF}"/>
+                <a16:creationId xmlns:a16="http://schemas.microsoft.com/office/drawing/2014/main" xmlns="" id="{F1B67971-49C1-46A6-BFE1-F14E5E9F87CF}"/>
               </a:ext>
             </a:extLst>
           </p:cNvPr>
@@ -1523,7 +1523,7 @@
           <p:cNvPr id="2" name="제목 1">
             <a:extLst>
               <a:ext uri="{FF2B5EF4-FFF2-40B4-BE49-F238E27FC236}">
-                <a16:creationId xmlns="" xmlns:a16="http://schemas.microsoft.com/office/drawing/2014/main" id="{E54246B1-789C-445A-A33C-EE193AF6AB31}"/>
+                <a16:creationId xmlns:a16="http://schemas.microsoft.com/office/drawing/2014/main" xmlns="" id="{E54246B1-789C-445A-A33C-EE193AF6AB31}"/>
               </a:ext>
             </a:extLst>
           </p:cNvPr>
@@ -1556,7 +1556,7 @@
           <p:cNvPr id="3" name="텍스트 개체 틀 2">
             <a:extLst>
               <a:ext uri="{FF2B5EF4-FFF2-40B4-BE49-F238E27FC236}">
-                <a16:creationId xmlns="" xmlns:a16="http://schemas.microsoft.com/office/drawing/2014/main" id="{C60DCCE6-A432-4D2A-810A-99E8AFAD1DD0}"/>
+                <a16:creationId xmlns:a16="http://schemas.microsoft.com/office/drawing/2014/main" xmlns="" id="{C60DCCE6-A432-4D2A-810A-99E8AFAD1DD0}"/>
               </a:ext>
             </a:extLst>
           </p:cNvPr>
@@ -1627,7 +1627,7 @@
           <p:cNvPr id="4" name="내용 개체 틀 3">
             <a:extLst>
               <a:ext uri="{FF2B5EF4-FFF2-40B4-BE49-F238E27FC236}">
-                <a16:creationId xmlns="" xmlns:a16="http://schemas.microsoft.com/office/drawing/2014/main" id="{16D0CEB2-1187-4252-AD05-8D872A1D3F3F}"/>
+                <a16:creationId xmlns:a16="http://schemas.microsoft.com/office/drawing/2014/main" xmlns="" id="{16D0CEB2-1187-4252-AD05-8D872A1D3F3F}"/>
               </a:ext>
             </a:extLst>
           </p:cNvPr>
@@ -1689,7 +1689,7 @@
           <p:cNvPr id="5" name="텍스트 개체 틀 4">
             <a:extLst>
               <a:ext uri="{FF2B5EF4-FFF2-40B4-BE49-F238E27FC236}">
-                <a16:creationId xmlns="" xmlns:a16="http://schemas.microsoft.com/office/drawing/2014/main" id="{5AE31809-3F66-4FEC-8D60-2F4D07A12196}"/>
+                <a16:creationId xmlns:a16="http://schemas.microsoft.com/office/drawing/2014/main" xmlns="" id="{5AE31809-3F66-4FEC-8D60-2F4D07A12196}"/>
               </a:ext>
             </a:extLst>
           </p:cNvPr>
@@ -1760,7 +1760,7 @@
           <p:cNvPr id="6" name="내용 개체 틀 5">
             <a:extLst>
               <a:ext uri="{FF2B5EF4-FFF2-40B4-BE49-F238E27FC236}">
-                <a16:creationId xmlns="" xmlns:a16="http://schemas.microsoft.com/office/drawing/2014/main" id="{A23AB223-7027-45B7-A59D-E463A79FDDD7}"/>
+                <a16:creationId xmlns:a16="http://schemas.microsoft.com/office/drawing/2014/main" xmlns="" id="{A23AB223-7027-45B7-A59D-E463A79FDDD7}"/>
               </a:ext>
             </a:extLst>
           </p:cNvPr>
@@ -1822,7 +1822,7 @@
           <p:cNvPr id="7" name="날짜 개체 틀 6">
             <a:extLst>
               <a:ext uri="{FF2B5EF4-FFF2-40B4-BE49-F238E27FC236}">
-                <a16:creationId xmlns="" xmlns:a16="http://schemas.microsoft.com/office/drawing/2014/main" id="{D2A2B8DD-7358-465C-8CC1-F71D7DE0E812}"/>
+                <a16:creationId xmlns:a16="http://schemas.microsoft.com/office/drawing/2014/main" xmlns="" id="{D2A2B8DD-7358-465C-8CC1-F71D7DE0E812}"/>
               </a:ext>
             </a:extLst>
           </p:cNvPr>
@@ -1851,7 +1851,7 @@
           <p:cNvPr id="8" name="바닥글 개체 틀 7">
             <a:extLst>
               <a:ext uri="{FF2B5EF4-FFF2-40B4-BE49-F238E27FC236}">
-                <a16:creationId xmlns="" xmlns:a16="http://schemas.microsoft.com/office/drawing/2014/main" id="{0D010038-A30A-4B64-BB25-7C3590F3E110}"/>
+                <a16:creationId xmlns:a16="http://schemas.microsoft.com/office/drawing/2014/main" xmlns="" id="{0D010038-A30A-4B64-BB25-7C3590F3E110}"/>
               </a:ext>
             </a:extLst>
           </p:cNvPr>
@@ -1876,7 +1876,7 @@
           <p:cNvPr id="9" name="슬라이드 번호 개체 틀 8">
             <a:extLst>
               <a:ext uri="{FF2B5EF4-FFF2-40B4-BE49-F238E27FC236}">
-                <a16:creationId xmlns="" xmlns:a16="http://schemas.microsoft.com/office/drawing/2014/main" id="{65054B27-799F-4A0D-8BE0-631E52465DC1}"/>
+                <a16:creationId xmlns:a16="http://schemas.microsoft.com/office/drawing/2014/main" xmlns="" id="{65054B27-799F-4A0D-8BE0-631E52465DC1}"/>
               </a:ext>
             </a:extLst>
           </p:cNvPr>
@@ -1935,7 +1935,7 @@
           <p:cNvPr id="2" name="제목 1">
             <a:extLst>
               <a:ext uri="{FF2B5EF4-FFF2-40B4-BE49-F238E27FC236}">
-                <a16:creationId xmlns="" xmlns:a16="http://schemas.microsoft.com/office/drawing/2014/main" id="{C485E51C-A240-4608-92DA-E50F807F41C0}"/>
+                <a16:creationId xmlns:a16="http://schemas.microsoft.com/office/drawing/2014/main" xmlns="" id="{C485E51C-A240-4608-92DA-E50F807F41C0}"/>
               </a:ext>
             </a:extLst>
           </p:cNvPr>
@@ -1963,7 +1963,7 @@
           <p:cNvPr id="3" name="날짜 개체 틀 2">
             <a:extLst>
               <a:ext uri="{FF2B5EF4-FFF2-40B4-BE49-F238E27FC236}">
-                <a16:creationId xmlns="" xmlns:a16="http://schemas.microsoft.com/office/drawing/2014/main" id="{2B851E15-AFBE-4FC3-8B78-027D54EB8877}"/>
+                <a16:creationId xmlns:a16="http://schemas.microsoft.com/office/drawing/2014/main" xmlns="" id="{2B851E15-AFBE-4FC3-8B78-027D54EB8877}"/>
               </a:ext>
             </a:extLst>
           </p:cNvPr>
@@ -1992,7 +1992,7 @@
           <p:cNvPr id="4" name="바닥글 개체 틀 3">
             <a:extLst>
               <a:ext uri="{FF2B5EF4-FFF2-40B4-BE49-F238E27FC236}">
-                <a16:creationId xmlns="" xmlns:a16="http://schemas.microsoft.com/office/drawing/2014/main" id="{5FEBB580-75E4-48D4-AEF3-E10C58CF6EA4}"/>
+                <a16:creationId xmlns:a16="http://schemas.microsoft.com/office/drawing/2014/main" xmlns="" id="{5FEBB580-75E4-48D4-AEF3-E10C58CF6EA4}"/>
               </a:ext>
             </a:extLst>
           </p:cNvPr>
@@ -2017,7 +2017,7 @@
           <p:cNvPr id="5" name="슬라이드 번호 개체 틀 4">
             <a:extLst>
               <a:ext uri="{FF2B5EF4-FFF2-40B4-BE49-F238E27FC236}">
-                <a16:creationId xmlns="" xmlns:a16="http://schemas.microsoft.com/office/drawing/2014/main" id="{BF32AC2E-0C50-4FB0-8820-A7AC6BDE4173}"/>
+                <a16:creationId xmlns:a16="http://schemas.microsoft.com/office/drawing/2014/main" xmlns="" id="{BF32AC2E-0C50-4FB0-8820-A7AC6BDE4173}"/>
               </a:ext>
             </a:extLst>
           </p:cNvPr>
@@ -2076,7 +2076,7 @@
           <p:cNvPr id="2" name="날짜 개체 틀 1">
             <a:extLst>
               <a:ext uri="{FF2B5EF4-FFF2-40B4-BE49-F238E27FC236}">
-                <a16:creationId xmlns="" xmlns:a16="http://schemas.microsoft.com/office/drawing/2014/main" id="{2C192448-72D9-4BA8-A3A5-9279810622F2}"/>
+                <a16:creationId xmlns:a16="http://schemas.microsoft.com/office/drawing/2014/main" xmlns="" id="{2C192448-72D9-4BA8-A3A5-9279810622F2}"/>
               </a:ext>
             </a:extLst>
           </p:cNvPr>
@@ -2105,7 +2105,7 @@
           <p:cNvPr id="3" name="바닥글 개체 틀 2">
             <a:extLst>
               <a:ext uri="{FF2B5EF4-FFF2-40B4-BE49-F238E27FC236}">
-                <a16:creationId xmlns="" xmlns:a16="http://schemas.microsoft.com/office/drawing/2014/main" id="{6A464358-B5B5-49B6-9CA3-2BE74CF87DC8}"/>
+                <a16:creationId xmlns:a16="http://schemas.microsoft.com/office/drawing/2014/main" xmlns="" id="{6A464358-B5B5-49B6-9CA3-2BE74CF87DC8}"/>
               </a:ext>
             </a:extLst>
           </p:cNvPr>
@@ -2130,7 +2130,7 @@
           <p:cNvPr id="4" name="슬라이드 번호 개체 틀 3">
             <a:extLst>
               <a:ext uri="{FF2B5EF4-FFF2-40B4-BE49-F238E27FC236}">
-                <a16:creationId xmlns="" xmlns:a16="http://schemas.microsoft.com/office/drawing/2014/main" id="{5B606F01-6E92-4C16-A968-94433D122A35}"/>
+                <a16:creationId xmlns:a16="http://schemas.microsoft.com/office/drawing/2014/main" xmlns="" id="{5B606F01-6E92-4C16-A968-94433D122A35}"/>
               </a:ext>
             </a:extLst>
           </p:cNvPr>
@@ -2189,7 +2189,7 @@
           <p:cNvPr id="2" name="제목 1">
             <a:extLst>
               <a:ext uri="{FF2B5EF4-FFF2-40B4-BE49-F238E27FC236}">
-                <a16:creationId xmlns="" xmlns:a16="http://schemas.microsoft.com/office/drawing/2014/main" id="{78C9915E-4301-4868-A5EC-6F607A83BF22}"/>
+                <a16:creationId xmlns:a16="http://schemas.microsoft.com/office/drawing/2014/main" xmlns="" id="{78C9915E-4301-4868-A5EC-6F607A83BF22}"/>
               </a:ext>
             </a:extLst>
           </p:cNvPr>
@@ -2226,7 +2226,7 @@
           <p:cNvPr id="3" name="내용 개체 틀 2">
             <a:extLst>
               <a:ext uri="{FF2B5EF4-FFF2-40B4-BE49-F238E27FC236}">
-                <a16:creationId xmlns="" xmlns:a16="http://schemas.microsoft.com/office/drawing/2014/main" id="{4507BFFD-DC79-4CFE-A2B2-BACA06190953}"/>
+                <a16:creationId xmlns:a16="http://schemas.microsoft.com/office/drawing/2014/main" xmlns="" id="{4507BFFD-DC79-4CFE-A2B2-BACA06190953}"/>
               </a:ext>
             </a:extLst>
           </p:cNvPr>
@@ -2316,7 +2316,7 @@
           <p:cNvPr id="4" name="텍스트 개체 틀 3">
             <a:extLst>
               <a:ext uri="{FF2B5EF4-FFF2-40B4-BE49-F238E27FC236}">
-                <a16:creationId xmlns="" xmlns:a16="http://schemas.microsoft.com/office/drawing/2014/main" id="{9A00C531-2EB8-4478-9A6C-4CD6FE675072}"/>
+                <a16:creationId xmlns:a16="http://schemas.microsoft.com/office/drawing/2014/main" xmlns="" id="{9A00C531-2EB8-4478-9A6C-4CD6FE675072}"/>
               </a:ext>
             </a:extLst>
           </p:cNvPr>
@@ -2387,7 +2387,7 @@
           <p:cNvPr id="5" name="날짜 개체 틀 4">
             <a:extLst>
               <a:ext uri="{FF2B5EF4-FFF2-40B4-BE49-F238E27FC236}">
-                <a16:creationId xmlns="" xmlns:a16="http://schemas.microsoft.com/office/drawing/2014/main" id="{8B9102F9-10D2-4689-A3F0-BD4C609347E9}"/>
+                <a16:creationId xmlns:a16="http://schemas.microsoft.com/office/drawing/2014/main" xmlns="" id="{8B9102F9-10D2-4689-A3F0-BD4C609347E9}"/>
               </a:ext>
             </a:extLst>
           </p:cNvPr>
@@ -2416,7 +2416,7 @@
           <p:cNvPr id="6" name="바닥글 개체 틀 5">
             <a:extLst>
               <a:ext uri="{FF2B5EF4-FFF2-40B4-BE49-F238E27FC236}">
-                <a16:creationId xmlns="" xmlns:a16="http://schemas.microsoft.com/office/drawing/2014/main" id="{D7F39764-04A1-4A55-9A18-7F042A006344}"/>
+                <a16:creationId xmlns:a16="http://schemas.microsoft.com/office/drawing/2014/main" xmlns="" id="{D7F39764-04A1-4A55-9A18-7F042A006344}"/>
               </a:ext>
             </a:extLst>
           </p:cNvPr>
@@ -2441,7 +2441,7 @@
           <p:cNvPr id="7" name="슬라이드 번호 개체 틀 6">
             <a:extLst>
               <a:ext uri="{FF2B5EF4-FFF2-40B4-BE49-F238E27FC236}">
-                <a16:creationId xmlns="" xmlns:a16="http://schemas.microsoft.com/office/drawing/2014/main" id="{34225F41-6CDF-4265-BBB3-81FCF28FB82A}"/>
+                <a16:creationId xmlns:a16="http://schemas.microsoft.com/office/drawing/2014/main" xmlns="" id="{34225F41-6CDF-4265-BBB3-81FCF28FB82A}"/>
               </a:ext>
             </a:extLst>
           </p:cNvPr>
@@ -2500,7 +2500,7 @@
           <p:cNvPr id="2" name="제목 1">
             <a:extLst>
               <a:ext uri="{FF2B5EF4-FFF2-40B4-BE49-F238E27FC236}">
-                <a16:creationId xmlns="" xmlns:a16="http://schemas.microsoft.com/office/drawing/2014/main" id="{E1595260-FA6D-4888-ADF7-F499EEC9CAF3}"/>
+                <a16:creationId xmlns:a16="http://schemas.microsoft.com/office/drawing/2014/main" xmlns="" id="{E1595260-FA6D-4888-ADF7-F499EEC9CAF3}"/>
               </a:ext>
             </a:extLst>
           </p:cNvPr>
@@ -2537,7 +2537,7 @@
           <p:cNvPr id="3" name="그림 개체 틀 2">
             <a:extLst>
               <a:ext uri="{FF2B5EF4-FFF2-40B4-BE49-F238E27FC236}">
-                <a16:creationId xmlns="" xmlns:a16="http://schemas.microsoft.com/office/drawing/2014/main" id="{83A50628-D8CA-4077-960A-F39CE72B43AC}"/>
+                <a16:creationId xmlns:a16="http://schemas.microsoft.com/office/drawing/2014/main" xmlns="" id="{83A50628-D8CA-4077-960A-F39CE72B43AC}"/>
               </a:ext>
             </a:extLst>
           </p:cNvPr>
@@ -2604,7 +2604,7 @@
           <p:cNvPr id="4" name="텍스트 개체 틀 3">
             <a:extLst>
               <a:ext uri="{FF2B5EF4-FFF2-40B4-BE49-F238E27FC236}">
-                <a16:creationId xmlns="" xmlns:a16="http://schemas.microsoft.com/office/drawing/2014/main" id="{19E7AA03-FBD8-4A50-A92B-5AC38CFD2159}"/>
+                <a16:creationId xmlns:a16="http://schemas.microsoft.com/office/drawing/2014/main" xmlns="" id="{19E7AA03-FBD8-4A50-A92B-5AC38CFD2159}"/>
               </a:ext>
             </a:extLst>
           </p:cNvPr>
@@ -2675,7 +2675,7 @@
           <p:cNvPr id="5" name="날짜 개체 틀 4">
             <a:extLst>
               <a:ext uri="{FF2B5EF4-FFF2-40B4-BE49-F238E27FC236}">
-                <a16:creationId xmlns="" xmlns:a16="http://schemas.microsoft.com/office/drawing/2014/main" id="{68D9E59A-44BD-4C8B-A629-A61BC819DCDC}"/>
+                <a16:creationId xmlns:a16="http://schemas.microsoft.com/office/drawing/2014/main" xmlns="" id="{68D9E59A-44BD-4C8B-A629-A61BC819DCDC}"/>
               </a:ext>
             </a:extLst>
           </p:cNvPr>
@@ -2704,7 +2704,7 @@
           <p:cNvPr id="6" name="바닥글 개체 틀 5">
             <a:extLst>
               <a:ext uri="{FF2B5EF4-FFF2-40B4-BE49-F238E27FC236}">
-                <a16:creationId xmlns="" xmlns:a16="http://schemas.microsoft.com/office/drawing/2014/main" id="{1D2B7321-A165-476B-A4ED-83B774277E09}"/>
+                <a16:creationId xmlns:a16="http://schemas.microsoft.com/office/drawing/2014/main" xmlns="" id="{1D2B7321-A165-476B-A4ED-83B774277E09}"/>
               </a:ext>
             </a:extLst>
           </p:cNvPr>
@@ -2729,7 +2729,7 @@
           <p:cNvPr id="7" name="슬라이드 번호 개체 틀 6">
             <a:extLst>
               <a:ext uri="{FF2B5EF4-FFF2-40B4-BE49-F238E27FC236}">
-                <a16:creationId xmlns="" xmlns:a16="http://schemas.microsoft.com/office/drawing/2014/main" id="{07F02D81-149F-45ED-BBC5-576EF0493F03}"/>
+                <a16:creationId xmlns:a16="http://schemas.microsoft.com/office/drawing/2014/main" xmlns="" id="{07F02D81-149F-45ED-BBC5-576EF0493F03}"/>
               </a:ext>
             </a:extLst>
           </p:cNvPr>
@@ -2793,7 +2793,7 @@
           <p:cNvPr id="2" name="제목 개체 틀 1">
             <a:extLst>
               <a:ext uri="{FF2B5EF4-FFF2-40B4-BE49-F238E27FC236}">
-                <a16:creationId xmlns="" xmlns:a16="http://schemas.microsoft.com/office/drawing/2014/main" id="{738525D4-1253-4608-9D52-B7981AC4FCC8}"/>
+                <a16:creationId xmlns:a16="http://schemas.microsoft.com/office/drawing/2014/main" xmlns="" id="{738525D4-1253-4608-9D52-B7981AC4FCC8}"/>
               </a:ext>
             </a:extLst>
           </p:cNvPr>
@@ -2831,7 +2831,7 @@
           <p:cNvPr id="3" name="텍스트 개체 틀 2">
             <a:extLst>
               <a:ext uri="{FF2B5EF4-FFF2-40B4-BE49-F238E27FC236}">
-                <a16:creationId xmlns="" xmlns:a16="http://schemas.microsoft.com/office/drawing/2014/main" id="{0D5AEAAA-7600-4903-ACEF-1D36CDCD268E}"/>
+                <a16:creationId xmlns:a16="http://schemas.microsoft.com/office/drawing/2014/main" xmlns="" id="{0D5AEAAA-7600-4903-ACEF-1D36CDCD268E}"/>
               </a:ext>
             </a:extLst>
           </p:cNvPr>
@@ -2898,7 +2898,7 @@
           <p:cNvPr id="4" name="날짜 개체 틀 3">
             <a:extLst>
               <a:ext uri="{FF2B5EF4-FFF2-40B4-BE49-F238E27FC236}">
-                <a16:creationId xmlns="" xmlns:a16="http://schemas.microsoft.com/office/drawing/2014/main" id="{4DC8EC6A-27D7-4EF9-B45D-C2D39B14F126}"/>
+                <a16:creationId xmlns:a16="http://schemas.microsoft.com/office/drawing/2014/main" xmlns="" id="{4DC8EC6A-27D7-4EF9-B45D-C2D39B14F126}"/>
               </a:ext>
             </a:extLst>
           </p:cNvPr>
@@ -2945,7 +2945,7 @@
           <p:cNvPr id="5" name="바닥글 개체 틀 4">
             <a:extLst>
               <a:ext uri="{FF2B5EF4-FFF2-40B4-BE49-F238E27FC236}">
-                <a16:creationId xmlns="" xmlns:a16="http://schemas.microsoft.com/office/drawing/2014/main" id="{260EB541-017D-4B3F-9895-2DFE884EA7DA}"/>
+                <a16:creationId xmlns:a16="http://schemas.microsoft.com/office/drawing/2014/main" xmlns="" id="{260EB541-017D-4B3F-9895-2DFE884EA7DA}"/>
               </a:ext>
             </a:extLst>
           </p:cNvPr>
@@ -2988,7 +2988,7 @@
           <p:cNvPr id="6" name="슬라이드 번호 개체 틀 5">
             <a:extLst>
               <a:ext uri="{FF2B5EF4-FFF2-40B4-BE49-F238E27FC236}">
-                <a16:creationId xmlns="" xmlns:a16="http://schemas.microsoft.com/office/drawing/2014/main" id="{51440F6D-AE56-4BC9-B00D-4A215980C939}"/>
+                <a16:creationId xmlns:a16="http://schemas.microsoft.com/office/drawing/2014/main" xmlns="" id="{51440F6D-AE56-4BC9-B00D-4A215980C939}"/>
               </a:ext>
             </a:extLst>
           </p:cNvPr>
@@ -3364,7 +3364,7 @@
           <p:cNvPr id="3" name="부제목 2">
             <a:extLst>
               <a:ext uri="{FF2B5EF4-FFF2-40B4-BE49-F238E27FC236}">
-                <a16:creationId xmlns="" xmlns:a16="http://schemas.microsoft.com/office/drawing/2014/main" id="{84DAC65C-FE20-4D6D-AFFA-57D16B16FADF}"/>
+                <a16:creationId xmlns:a16="http://schemas.microsoft.com/office/drawing/2014/main" xmlns="" id="{84DAC65C-FE20-4D6D-AFFA-57D16B16FADF}"/>
               </a:ext>
             </a:extLst>
           </p:cNvPr>
@@ -3404,7 +3404,7 @@
           <p:cNvPr id="9" name="그림 8">
             <a:extLst>
               <a:ext uri="{FF2B5EF4-FFF2-40B4-BE49-F238E27FC236}">
-                <a16:creationId xmlns="" xmlns:a16="http://schemas.microsoft.com/office/drawing/2014/main" id="{58A568A6-F904-4025-9A14-67F5B32BB43F}"/>
+                <a16:creationId xmlns:a16="http://schemas.microsoft.com/office/drawing/2014/main" xmlns="" id="{58A568A6-F904-4025-9A14-67F5B32BB43F}"/>
               </a:ext>
             </a:extLst>
           </p:cNvPr>
@@ -3433,7 +3433,7 @@
           <p:cNvPr id="6" name="正方形/長方形 1">
             <a:extLst>
               <a:ext uri="{FF2B5EF4-FFF2-40B4-BE49-F238E27FC236}">
-                <a16:creationId xmlns="" xmlns:a16="http://schemas.microsoft.com/office/drawing/2014/main" id="{3DB5B2C5-F5B3-4CC9-BEAC-DB38B7D18AB0}"/>
+                <a16:creationId xmlns:a16="http://schemas.microsoft.com/office/drawing/2014/main" xmlns="" id="{3DB5B2C5-F5B3-4CC9-BEAC-DB38B7D18AB0}"/>
               </a:ext>
             </a:extLst>
           </p:cNvPr>
@@ -3485,7 +3485,7 @@
           <p:cNvPr id="5" name="그림 4">
             <a:extLst>
               <a:ext uri="{FF2B5EF4-FFF2-40B4-BE49-F238E27FC236}">
-                <a16:creationId xmlns="" xmlns:a16="http://schemas.microsoft.com/office/drawing/2014/main" id="{70CD73FB-6A8C-4053-8E55-05DD338095CE}"/>
+                <a16:creationId xmlns:a16="http://schemas.microsoft.com/office/drawing/2014/main" xmlns="" id="{70CD73FB-6A8C-4053-8E55-05DD338095CE}"/>
               </a:ext>
             </a:extLst>
           </p:cNvPr>
@@ -3521,7 +3521,7 @@
           <p:cNvPr id="10" name="TextBox 9">
             <a:extLst>
               <a:ext uri="{FF2B5EF4-FFF2-40B4-BE49-F238E27FC236}">
-                <a16:creationId xmlns="" xmlns:a16="http://schemas.microsoft.com/office/drawing/2014/main" id="{FE48E1B1-BE68-4CDF-B1A5-546E3D5FD453}"/>
+                <a16:creationId xmlns:a16="http://schemas.microsoft.com/office/drawing/2014/main" xmlns="" id="{FE48E1B1-BE68-4CDF-B1A5-546E3D5FD453}"/>
               </a:ext>
             </a:extLst>
           </p:cNvPr>
@@ -3685,7 +3685,7 @@
           <p:cNvPr id="2" name="직사각형 1">
             <a:extLst>
               <a:ext uri="{FF2B5EF4-FFF2-40B4-BE49-F238E27FC236}">
-                <a16:creationId xmlns="" xmlns:a16="http://schemas.microsoft.com/office/drawing/2014/main" id="{8E5B996D-DF87-49E5-95D1-45B1EEB9EE9A}"/>
+                <a16:creationId xmlns:a16="http://schemas.microsoft.com/office/drawing/2014/main" xmlns="" id="{8E5B996D-DF87-49E5-95D1-45B1EEB9EE9A}"/>
               </a:ext>
             </a:extLst>
           </p:cNvPr>
@@ -3737,7 +3737,7 @@
           <p:cNvPr id="4" name="직사각형 3">
             <a:extLst>
               <a:ext uri="{FF2B5EF4-FFF2-40B4-BE49-F238E27FC236}">
-                <a16:creationId xmlns="" xmlns:a16="http://schemas.microsoft.com/office/drawing/2014/main" id="{080CEE4E-4BCA-42C3-BECA-9BCEB9931EEA}"/>
+                <a16:creationId xmlns:a16="http://schemas.microsoft.com/office/drawing/2014/main" xmlns="" id="{080CEE4E-4BCA-42C3-BECA-9BCEB9931EEA}"/>
               </a:ext>
             </a:extLst>
           </p:cNvPr>
@@ -3789,7 +3789,7 @@
           <p:cNvPr id="5" name="TextBox 4">
             <a:extLst>
               <a:ext uri="{FF2B5EF4-FFF2-40B4-BE49-F238E27FC236}">
-                <a16:creationId xmlns="" xmlns:a16="http://schemas.microsoft.com/office/drawing/2014/main" id="{D12B0B12-AB99-4F88-B4B2-948DADC833EA}"/>
+                <a16:creationId xmlns:a16="http://schemas.microsoft.com/office/drawing/2014/main" xmlns="" id="{D12B0B12-AB99-4F88-B4B2-948DADC833EA}"/>
               </a:ext>
             </a:extLst>
           </p:cNvPr>
@@ -3908,7 +3908,7 @@
           <p:cNvPr id="9" name="그림 8">
             <a:extLst>
               <a:ext uri="{FF2B5EF4-FFF2-40B4-BE49-F238E27FC236}">
-                <a16:creationId xmlns="" xmlns:a16="http://schemas.microsoft.com/office/drawing/2014/main" id="{0F0992E8-2696-42E6-805A-0C12780D8FA1}"/>
+                <a16:creationId xmlns:a16="http://schemas.microsoft.com/office/drawing/2014/main" xmlns="" id="{0F0992E8-2696-42E6-805A-0C12780D8FA1}"/>
               </a:ext>
             </a:extLst>
           </p:cNvPr>
@@ -9688,7 +9688,7 @@
           <p:cNvPr id="2" name="직사각형 1">
             <a:extLst>
               <a:ext uri="{FF2B5EF4-FFF2-40B4-BE49-F238E27FC236}">
-                <a16:creationId xmlns="" xmlns:a16="http://schemas.microsoft.com/office/drawing/2014/main" id="{8E5B996D-DF87-49E5-95D1-45B1EEB9EE9A}"/>
+                <a16:creationId xmlns:a16="http://schemas.microsoft.com/office/drawing/2014/main" xmlns="" id="{8E5B996D-DF87-49E5-95D1-45B1EEB9EE9A}"/>
               </a:ext>
             </a:extLst>
           </p:cNvPr>
@@ -9740,7 +9740,7 @@
           <p:cNvPr id="4" name="직사각형 3">
             <a:extLst>
               <a:ext uri="{FF2B5EF4-FFF2-40B4-BE49-F238E27FC236}">
-                <a16:creationId xmlns="" xmlns:a16="http://schemas.microsoft.com/office/drawing/2014/main" id="{080CEE4E-4BCA-42C3-BECA-9BCEB9931EEA}"/>
+                <a16:creationId xmlns:a16="http://schemas.microsoft.com/office/drawing/2014/main" xmlns="" id="{080CEE4E-4BCA-42C3-BECA-9BCEB9931EEA}"/>
               </a:ext>
             </a:extLst>
           </p:cNvPr>
@@ -9792,7 +9792,7 @@
           <p:cNvPr id="5" name="TextBox 4">
             <a:extLst>
               <a:ext uri="{FF2B5EF4-FFF2-40B4-BE49-F238E27FC236}">
-                <a16:creationId xmlns="" xmlns:a16="http://schemas.microsoft.com/office/drawing/2014/main" id="{D12B0B12-AB99-4F88-B4B2-948DADC833EA}"/>
+                <a16:creationId xmlns:a16="http://schemas.microsoft.com/office/drawing/2014/main" xmlns="" id="{D12B0B12-AB99-4F88-B4B2-948DADC833EA}"/>
               </a:ext>
             </a:extLst>
           </p:cNvPr>
@@ -9911,7 +9911,7 @@
           <p:cNvPr id="9" name="그림 8">
             <a:extLst>
               <a:ext uri="{FF2B5EF4-FFF2-40B4-BE49-F238E27FC236}">
-                <a16:creationId xmlns="" xmlns:a16="http://schemas.microsoft.com/office/drawing/2014/main" id="{0F0992E8-2696-42E6-805A-0C12780D8FA1}"/>
+                <a16:creationId xmlns:a16="http://schemas.microsoft.com/office/drawing/2014/main" xmlns="" id="{0F0992E8-2696-42E6-805A-0C12780D8FA1}"/>
               </a:ext>
             </a:extLst>
           </p:cNvPr>
@@ -13051,7 +13051,7 @@
           <p:cNvPr id="2" name="직사각형 1">
             <a:extLst>
               <a:ext uri="{FF2B5EF4-FFF2-40B4-BE49-F238E27FC236}">
-                <a16:creationId xmlns="" xmlns:a16="http://schemas.microsoft.com/office/drawing/2014/main" id="{8E5B996D-DF87-49E5-95D1-45B1EEB9EE9A}"/>
+                <a16:creationId xmlns:a16="http://schemas.microsoft.com/office/drawing/2014/main" xmlns="" id="{8E5B996D-DF87-49E5-95D1-45B1EEB9EE9A}"/>
               </a:ext>
             </a:extLst>
           </p:cNvPr>
@@ -13103,7 +13103,7 @@
           <p:cNvPr id="4" name="직사각형 3">
             <a:extLst>
               <a:ext uri="{FF2B5EF4-FFF2-40B4-BE49-F238E27FC236}">
-                <a16:creationId xmlns="" xmlns:a16="http://schemas.microsoft.com/office/drawing/2014/main" id="{080CEE4E-4BCA-42C3-BECA-9BCEB9931EEA}"/>
+                <a16:creationId xmlns:a16="http://schemas.microsoft.com/office/drawing/2014/main" xmlns="" id="{080CEE4E-4BCA-42C3-BECA-9BCEB9931EEA}"/>
               </a:ext>
             </a:extLst>
           </p:cNvPr>
@@ -13155,7 +13155,7 @@
           <p:cNvPr id="5" name="TextBox 4">
             <a:extLst>
               <a:ext uri="{FF2B5EF4-FFF2-40B4-BE49-F238E27FC236}">
-                <a16:creationId xmlns="" xmlns:a16="http://schemas.microsoft.com/office/drawing/2014/main" id="{D12B0B12-AB99-4F88-B4B2-948DADC833EA}"/>
+                <a16:creationId xmlns:a16="http://schemas.microsoft.com/office/drawing/2014/main" xmlns="" id="{D12B0B12-AB99-4F88-B4B2-948DADC833EA}"/>
               </a:ext>
             </a:extLst>
           </p:cNvPr>
@@ -13274,7 +13274,7 @@
           <p:cNvPr id="9" name="그림 8">
             <a:extLst>
               <a:ext uri="{FF2B5EF4-FFF2-40B4-BE49-F238E27FC236}">
-                <a16:creationId xmlns="" xmlns:a16="http://schemas.microsoft.com/office/drawing/2014/main" id="{0F0992E8-2696-42E6-805A-0C12780D8FA1}"/>
+                <a16:creationId xmlns:a16="http://schemas.microsoft.com/office/drawing/2014/main" xmlns="" id="{0F0992E8-2696-42E6-805A-0C12780D8FA1}"/>
               </a:ext>
             </a:extLst>
           </p:cNvPr>
@@ -13650,7 +13650,7 @@
           <p:nvPr>
             <p:extLst>
               <p:ext uri="{D42A27DB-BD31-4B8C-83A1-F6EECF244321}">
-                <p14:modId xmlns:p14="http://schemas.microsoft.com/office/powerpoint/2010/main" val="3336589454"/>
+                <p14:modId xmlns:p14="http://schemas.microsoft.com/office/powerpoint/2010/main" val="1903489315"/>
               </p:ext>
             </p:extLst>
           </p:nvPr>
@@ -14837,6 +14837,782 @@
           </a:p>
         </p:txBody>
       </p:sp>
+      <p:graphicFrame>
+        <p:nvGraphicFramePr>
+          <p:cNvPr id="21" name="표 20"/>
+          <p:cNvGraphicFramePr>
+            <a:graphicFrameLocks noGrp="1"/>
+          </p:cNvGraphicFramePr>
+          <p:nvPr>
+            <p:extLst>
+              <p:ext uri="{D42A27DB-BD31-4B8C-83A1-F6EECF244321}">
+                <p14:modId xmlns:p14="http://schemas.microsoft.com/office/powerpoint/2010/main" val="201890750"/>
+              </p:ext>
+            </p:extLst>
+          </p:nvPr>
+        </p:nvGraphicFramePr>
+        <p:xfrm>
+          <a:off x="8888830" y="3182333"/>
+          <a:ext cx="2322000" cy="2916174"/>
+        </p:xfrm>
+        <a:graphic>
+          <a:graphicData uri="http://schemas.openxmlformats.org/drawingml/2006/table">
+            <a:tbl>
+              <a:tblPr firstRow="1" bandRow="1">
+                <a:tableStyleId>{2D5ABB26-0587-4C30-8999-92F81FD0307C}</a:tableStyleId>
+              </a:tblPr>
+              <a:tblGrid>
+                <a:gridCol w="485829"/>
+                <a:gridCol w="1836171"/>
+              </a:tblGrid>
+              <a:tr h="486029">
+                <a:tc>
+                  <a:txBody>
+                    <a:bodyPr/>
+                    <a:lstStyle/>
+                    <a:p>
+                      <a:pPr algn="ctr"/>
+                      <a:r>
+                        <a:rPr lang="ko-KR" altLang="en-US" sz="1000" b="1" dirty="0" smtClean="0">
+                          <a:solidFill>
+                            <a:schemeClr val="tx1"/>
+                          </a:solidFill>
+                        </a:rPr>
+                        <a:t>번호</a:t>
+                      </a:r>
+                      <a:endParaRPr lang="ko-KR" altLang="en-US" sz="1000" b="1" dirty="0">
+                        <a:solidFill>
+                          <a:schemeClr val="tx1"/>
+                        </a:solidFill>
+                      </a:endParaRPr>
+                    </a:p>
+                  </a:txBody>
+                  <a:tcPr anchor="ctr">
+                    <a:lnL w="6350" cap="flat" cmpd="sng" algn="ctr">
+                      <a:solidFill>
+                        <a:schemeClr val="tx1"/>
+                      </a:solidFill>
+                      <a:prstDash val="solid"/>
+                      <a:round/>
+                      <a:headEnd type="none" w="med" len="med"/>
+                      <a:tailEnd type="none" w="med" len="med"/>
+                    </a:lnL>
+                    <a:lnR w="6350" cap="flat" cmpd="sng" algn="ctr">
+                      <a:solidFill>
+                        <a:schemeClr val="tx1"/>
+                      </a:solidFill>
+                      <a:prstDash val="solid"/>
+                      <a:round/>
+                      <a:headEnd type="none" w="med" len="med"/>
+                      <a:tailEnd type="none" w="med" len="med"/>
+                    </a:lnR>
+                    <a:lnT w="6350" cap="flat" cmpd="sng" algn="ctr">
+                      <a:solidFill>
+                        <a:schemeClr val="tx1"/>
+                      </a:solidFill>
+                      <a:prstDash val="solid"/>
+                      <a:round/>
+                      <a:headEnd type="none" w="med" len="med"/>
+                      <a:tailEnd type="none" w="med" len="med"/>
+                    </a:lnT>
+                    <a:lnB w="6350" cap="flat" cmpd="sng" algn="ctr">
+                      <a:solidFill>
+                        <a:schemeClr val="tx1"/>
+                      </a:solidFill>
+                      <a:prstDash val="solid"/>
+                      <a:round/>
+                      <a:headEnd type="none" w="med" len="med"/>
+                      <a:tailEnd type="none" w="med" len="med"/>
+                    </a:lnB>
+                    <a:solidFill>
+                      <a:schemeClr val="bg1"/>
+                    </a:solidFill>
+                  </a:tcPr>
+                </a:tc>
+                <a:tc>
+                  <a:txBody>
+                    <a:bodyPr/>
+                    <a:lstStyle/>
+                    <a:p>
+                      <a:pPr algn="ctr"/>
+                      <a:r>
+                        <a:rPr lang="ko-KR" altLang="en-US" sz="1000" b="1" dirty="0" smtClean="0">
+                          <a:solidFill>
+                            <a:schemeClr val="tx1"/>
+                          </a:solidFill>
+                        </a:rPr>
+                        <a:t>제목</a:t>
+                      </a:r>
+                      <a:endParaRPr lang="ko-KR" altLang="en-US" sz="1000" b="1" dirty="0">
+                        <a:solidFill>
+                          <a:schemeClr val="tx1"/>
+                        </a:solidFill>
+                      </a:endParaRPr>
+                    </a:p>
+                  </a:txBody>
+                  <a:tcPr anchor="ctr">
+                    <a:lnL w="6350" cap="flat" cmpd="sng" algn="ctr">
+                      <a:solidFill>
+                        <a:schemeClr val="tx1"/>
+                      </a:solidFill>
+                      <a:prstDash val="solid"/>
+                      <a:round/>
+                      <a:headEnd type="none" w="med" len="med"/>
+                      <a:tailEnd type="none" w="med" len="med"/>
+                    </a:lnL>
+                    <a:lnR w="6350" cap="flat" cmpd="sng" algn="ctr">
+                      <a:solidFill>
+                        <a:schemeClr val="tx1"/>
+                      </a:solidFill>
+                      <a:prstDash val="solid"/>
+                      <a:round/>
+                      <a:headEnd type="none" w="med" len="med"/>
+                      <a:tailEnd type="none" w="med" len="med"/>
+                    </a:lnR>
+                    <a:lnT w="6350" cap="flat" cmpd="sng" algn="ctr">
+                      <a:solidFill>
+                        <a:schemeClr val="tx1"/>
+                      </a:solidFill>
+                      <a:prstDash val="solid"/>
+                      <a:round/>
+                      <a:headEnd type="none" w="med" len="med"/>
+                      <a:tailEnd type="none" w="med" len="med"/>
+                    </a:lnT>
+                    <a:lnB w="6350" cap="flat" cmpd="sng" algn="ctr">
+                      <a:solidFill>
+                        <a:schemeClr val="tx1"/>
+                      </a:solidFill>
+                      <a:prstDash val="solid"/>
+                      <a:round/>
+                      <a:headEnd type="none" w="med" len="med"/>
+                      <a:tailEnd type="none" w="med" len="med"/>
+                    </a:lnB>
+                    <a:solidFill>
+                      <a:schemeClr val="bg1"/>
+                    </a:solidFill>
+                  </a:tcPr>
+                </a:tc>
+              </a:tr>
+              <a:tr h="486029">
+                <a:tc>
+                  <a:txBody>
+                    <a:bodyPr/>
+                    <a:lstStyle/>
+                    <a:p>
+                      <a:pPr algn="ctr"/>
+                      <a:r>
+                        <a:rPr lang="en-US" altLang="ko-KR" sz="1000" b="0" dirty="0" smtClean="0">
+                          <a:solidFill>
+                            <a:schemeClr val="tx1"/>
+                          </a:solidFill>
+                        </a:rPr>
+                        <a:t>1</a:t>
+                      </a:r>
+                      <a:endParaRPr lang="ko-KR" altLang="en-US" sz="1000" b="0" dirty="0">
+                        <a:solidFill>
+                          <a:schemeClr val="tx1"/>
+                        </a:solidFill>
+                      </a:endParaRPr>
+                    </a:p>
+                  </a:txBody>
+                  <a:tcPr anchor="ctr">
+                    <a:lnL w="6350" cap="flat" cmpd="sng" algn="ctr">
+                      <a:solidFill>
+                        <a:schemeClr val="tx1"/>
+                      </a:solidFill>
+                      <a:prstDash val="solid"/>
+                      <a:round/>
+                      <a:headEnd type="none" w="med" len="med"/>
+                      <a:tailEnd type="none" w="med" len="med"/>
+                    </a:lnL>
+                    <a:lnR w="6350" cap="flat" cmpd="sng" algn="ctr">
+                      <a:solidFill>
+                        <a:schemeClr val="tx1"/>
+                      </a:solidFill>
+                      <a:prstDash val="solid"/>
+                      <a:round/>
+                      <a:headEnd type="none" w="med" len="med"/>
+                      <a:tailEnd type="none" w="med" len="med"/>
+                    </a:lnR>
+                    <a:lnT w="6350" cap="flat" cmpd="sng" algn="ctr">
+                      <a:solidFill>
+                        <a:schemeClr val="tx1"/>
+                      </a:solidFill>
+                      <a:prstDash val="solid"/>
+                      <a:round/>
+                      <a:headEnd type="none" w="med" len="med"/>
+                      <a:tailEnd type="none" w="med" len="med"/>
+                    </a:lnT>
+                    <a:lnB w="6350" cap="flat" cmpd="sng" algn="ctr">
+                      <a:solidFill>
+                        <a:schemeClr val="tx1"/>
+                      </a:solidFill>
+                      <a:prstDash val="solid"/>
+                      <a:round/>
+                      <a:headEnd type="none" w="med" len="med"/>
+                      <a:tailEnd type="none" w="med" len="med"/>
+                    </a:lnB>
+                    <a:solidFill>
+                      <a:schemeClr val="bg1"/>
+                    </a:solidFill>
+                  </a:tcPr>
+                </a:tc>
+                <a:tc>
+                  <a:txBody>
+                    <a:bodyPr/>
+                    <a:lstStyle/>
+                    <a:p>
+                      <a:pPr algn="ctr"/>
+                      <a:r>
+                        <a:rPr lang="ko-KR" altLang="en-US" sz="1000" b="0" dirty="0" smtClean="0">
+                          <a:solidFill>
+                            <a:schemeClr val="tx1"/>
+                          </a:solidFill>
+                        </a:rPr>
+                        <a:t>자주 묻는 질문</a:t>
+                      </a:r>
+                      <a:r>
+                        <a:rPr lang="en-US" altLang="ko-KR" sz="1000" b="0" dirty="0" smtClean="0">
+                          <a:solidFill>
+                            <a:schemeClr val="tx1"/>
+                          </a:solidFill>
+                        </a:rPr>
+                        <a:t>1</a:t>
+                      </a:r>
+                      <a:endParaRPr lang="ko-KR" altLang="en-US" sz="1000" b="0" dirty="0">
+                        <a:solidFill>
+                          <a:schemeClr val="tx1"/>
+                        </a:solidFill>
+                      </a:endParaRPr>
+                    </a:p>
+                  </a:txBody>
+                  <a:tcPr anchor="ctr">
+                    <a:lnL w="6350" cap="flat" cmpd="sng" algn="ctr">
+                      <a:solidFill>
+                        <a:schemeClr val="tx1"/>
+                      </a:solidFill>
+                      <a:prstDash val="solid"/>
+                      <a:round/>
+                      <a:headEnd type="none" w="med" len="med"/>
+                      <a:tailEnd type="none" w="med" len="med"/>
+                    </a:lnL>
+                    <a:lnR w="6350" cap="flat" cmpd="sng" algn="ctr">
+                      <a:solidFill>
+                        <a:schemeClr val="tx1"/>
+                      </a:solidFill>
+                      <a:prstDash val="solid"/>
+                      <a:round/>
+                      <a:headEnd type="none" w="med" len="med"/>
+                      <a:tailEnd type="none" w="med" len="med"/>
+                    </a:lnR>
+                    <a:lnT w="6350" cap="flat" cmpd="sng" algn="ctr">
+                      <a:solidFill>
+                        <a:schemeClr val="tx1"/>
+                      </a:solidFill>
+                      <a:prstDash val="solid"/>
+                      <a:round/>
+                      <a:headEnd type="none" w="med" len="med"/>
+                      <a:tailEnd type="none" w="med" len="med"/>
+                    </a:lnT>
+                    <a:lnB w="6350" cap="flat" cmpd="sng" algn="ctr">
+                      <a:solidFill>
+                        <a:schemeClr val="tx1"/>
+                      </a:solidFill>
+                      <a:prstDash val="solid"/>
+                      <a:round/>
+                      <a:headEnd type="none" w="med" len="med"/>
+                      <a:tailEnd type="none" w="med" len="med"/>
+                    </a:lnB>
+                    <a:solidFill>
+                      <a:schemeClr val="bg1"/>
+                    </a:solidFill>
+                  </a:tcPr>
+                </a:tc>
+              </a:tr>
+              <a:tr h="486029">
+                <a:tc>
+                  <a:txBody>
+                    <a:bodyPr/>
+                    <a:lstStyle/>
+                    <a:p>
+                      <a:pPr algn="ctr"/>
+                      <a:endParaRPr lang="ko-KR" altLang="en-US" sz="1000" b="0" dirty="0">
+                        <a:solidFill>
+                          <a:schemeClr val="tx1"/>
+                        </a:solidFill>
+                      </a:endParaRPr>
+                    </a:p>
+                  </a:txBody>
+                  <a:tcPr anchor="ctr">
+                    <a:lnL w="6350" cap="flat" cmpd="sng" algn="ctr">
+                      <a:solidFill>
+                        <a:schemeClr val="tx1"/>
+                      </a:solidFill>
+                      <a:prstDash val="solid"/>
+                      <a:round/>
+                      <a:headEnd type="none" w="med" len="med"/>
+                      <a:tailEnd type="none" w="med" len="med"/>
+                    </a:lnL>
+                    <a:lnR w="6350" cap="flat" cmpd="sng" algn="ctr">
+                      <a:solidFill>
+                        <a:schemeClr val="tx1"/>
+                      </a:solidFill>
+                      <a:prstDash val="solid"/>
+                      <a:round/>
+                      <a:headEnd type="none" w="med" len="med"/>
+                      <a:tailEnd type="none" w="med" len="med"/>
+                    </a:lnR>
+                    <a:lnT w="6350" cap="flat" cmpd="sng" algn="ctr">
+                      <a:solidFill>
+                        <a:schemeClr val="tx1"/>
+                      </a:solidFill>
+                      <a:prstDash val="solid"/>
+                      <a:round/>
+                      <a:headEnd type="none" w="med" len="med"/>
+                      <a:tailEnd type="none" w="med" len="med"/>
+                    </a:lnT>
+                    <a:lnB w="6350" cap="flat" cmpd="sng" algn="ctr">
+                      <a:solidFill>
+                        <a:schemeClr val="tx1"/>
+                      </a:solidFill>
+                      <a:prstDash val="solid"/>
+                      <a:round/>
+                      <a:headEnd type="none" w="med" len="med"/>
+                      <a:tailEnd type="none" w="med" len="med"/>
+                    </a:lnB>
+                    <a:solidFill>
+                      <a:schemeClr val="bg1"/>
+                    </a:solidFill>
+                  </a:tcPr>
+                </a:tc>
+                <a:tc>
+                  <a:txBody>
+                    <a:bodyPr/>
+                    <a:lstStyle/>
+                    <a:p>
+                      <a:pPr algn="ctr"/>
+                      <a:r>
+                        <a:rPr lang="ko-KR" altLang="en-US" sz="1000" b="0" dirty="0" smtClean="0">
+                          <a:solidFill>
+                            <a:schemeClr val="tx1"/>
+                          </a:solidFill>
+                        </a:rPr>
+                        <a:t>답변</a:t>
+                      </a:r>
+                      <a:endParaRPr lang="ko-KR" altLang="en-US" sz="1000" b="0" dirty="0">
+                        <a:solidFill>
+                          <a:schemeClr val="tx1"/>
+                        </a:solidFill>
+                      </a:endParaRPr>
+                    </a:p>
+                  </a:txBody>
+                  <a:tcPr anchor="ctr">
+                    <a:lnL w="6350" cap="flat" cmpd="sng" algn="ctr">
+                      <a:solidFill>
+                        <a:schemeClr val="tx1"/>
+                      </a:solidFill>
+                      <a:prstDash val="solid"/>
+                      <a:round/>
+                      <a:headEnd type="none" w="med" len="med"/>
+                      <a:tailEnd type="none" w="med" len="med"/>
+                    </a:lnL>
+                    <a:lnR w="6350" cap="flat" cmpd="sng" algn="ctr">
+                      <a:solidFill>
+                        <a:schemeClr val="tx1"/>
+                      </a:solidFill>
+                      <a:prstDash val="solid"/>
+                      <a:round/>
+                      <a:headEnd type="none" w="med" len="med"/>
+                      <a:tailEnd type="none" w="med" len="med"/>
+                    </a:lnR>
+                    <a:lnT w="6350" cap="flat" cmpd="sng" algn="ctr">
+                      <a:solidFill>
+                        <a:schemeClr val="tx1"/>
+                      </a:solidFill>
+                      <a:prstDash val="solid"/>
+                      <a:round/>
+                      <a:headEnd type="none" w="med" len="med"/>
+                      <a:tailEnd type="none" w="med" len="med"/>
+                    </a:lnT>
+                    <a:lnB w="6350" cap="flat" cmpd="sng" algn="ctr">
+                      <a:solidFill>
+                        <a:schemeClr val="tx1"/>
+                      </a:solidFill>
+                      <a:prstDash val="solid"/>
+                      <a:round/>
+                      <a:headEnd type="none" w="med" len="med"/>
+                      <a:tailEnd type="none" w="med" len="med"/>
+                    </a:lnB>
+                    <a:solidFill>
+                      <a:schemeClr val="bg1"/>
+                    </a:solidFill>
+                  </a:tcPr>
+                </a:tc>
+              </a:tr>
+              <a:tr h="486029">
+                <a:tc>
+                  <a:txBody>
+                    <a:bodyPr/>
+                    <a:lstStyle/>
+                    <a:p>
+                      <a:pPr algn="ctr"/>
+                      <a:r>
+                        <a:rPr lang="en-US" altLang="ko-KR" sz="1000" b="0" dirty="0" smtClean="0">
+                          <a:solidFill>
+                            <a:schemeClr val="tx1"/>
+                          </a:solidFill>
+                        </a:rPr>
+                        <a:t>2</a:t>
+                      </a:r>
+                      <a:endParaRPr lang="ko-KR" altLang="en-US" sz="1000" b="0" dirty="0">
+                        <a:solidFill>
+                          <a:schemeClr val="tx1"/>
+                        </a:solidFill>
+                      </a:endParaRPr>
+                    </a:p>
+                  </a:txBody>
+                  <a:tcPr anchor="ctr">
+                    <a:lnL w="6350" cap="flat" cmpd="sng" algn="ctr">
+                      <a:solidFill>
+                        <a:schemeClr val="tx1"/>
+                      </a:solidFill>
+                      <a:prstDash val="solid"/>
+                      <a:round/>
+                      <a:headEnd type="none" w="med" len="med"/>
+                      <a:tailEnd type="none" w="med" len="med"/>
+                    </a:lnL>
+                    <a:lnR w="6350" cap="flat" cmpd="sng" algn="ctr">
+                      <a:solidFill>
+                        <a:schemeClr val="tx1"/>
+                      </a:solidFill>
+                      <a:prstDash val="solid"/>
+                      <a:round/>
+                      <a:headEnd type="none" w="med" len="med"/>
+                      <a:tailEnd type="none" w="med" len="med"/>
+                    </a:lnR>
+                    <a:lnT w="6350" cap="flat" cmpd="sng" algn="ctr">
+                      <a:solidFill>
+                        <a:schemeClr val="tx1"/>
+                      </a:solidFill>
+                      <a:prstDash val="solid"/>
+                      <a:round/>
+                      <a:headEnd type="none" w="med" len="med"/>
+                      <a:tailEnd type="none" w="med" len="med"/>
+                    </a:lnT>
+                    <a:lnB w="6350" cap="flat" cmpd="sng" algn="ctr">
+                      <a:solidFill>
+                        <a:schemeClr val="tx1"/>
+                      </a:solidFill>
+                      <a:prstDash val="solid"/>
+                      <a:round/>
+                      <a:headEnd type="none" w="med" len="med"/>
+                      <a:tailEnd type="none" w="med" len="med"/>
+                    </a:lnB>
+                    <a:solidFill>
+                      <a:schemeClr val="bg1"/>
+                    </a:solidFill>
+                  </a:tcPr>
+                </a:tc>
+                <a:tc>
+                  <a:txBody>
+                    <a:bodyPr/>
+                    <a:lstStyle/>
+                    <a:p>
+                      <a:pPr algn="ctr"/>
+                      <a:endParaRPr lang="ko-KR" altLang="en-US" sz="1000" b="0" dirty="0">
+                        <a:solidFill>
+                          <a:schemeClr val="tx1"/>
+                        </a:solidFill>
+                      </a:endParaRPr>
+                    </a:p>
+                  </a:txBody>
+                  <a:tcPr anchor="ctr">
+                    <a:lnL w="6350" cap="flat" cmpd="sng" algn="ctr">
+                      <a:solidFill>
+                        <a:schemeClr val="tx1"/>
+                      </a:solidFill>
+                      <a:prstDash val="solid"/>
+                      <a:round/>
+                      <a:headEnd type="none" w="med" len="med"/>
+                      <a:tailEnd type="none" w="med" len="med"/>
+                    </a:lnL>
+                    <a:lnR w="6350" cap="flat" cmpd="sng" algn="ctr">
+                      <a:solidFill>
+                        <a:schemeClr val="tx1"/>
+                      </a:solidFill>
+                      <a:prstDash val="solid"/>
+                      <a:round/>
+                      <a:headEnd type="none" w="med" len="med"/>
+                      <a:tailEnd type="none" w="med" len="med"/>
+                    </a:lnR>
+                    <a:lnT w="6350" cap="flat" cmpd="sng" algn="ctr">
+                      <a:solidFill>
+                        <a:schemeClr val="tx1"/>
+                      </a:solidFill>
+                      <a:prstDash val="solid"/>
+                      <a:round/>
+                      <a:headEnd type="none" w="med" len="med"/>
+                      <a:tailEnd type="none" w="med" len="med"/>
+                    </a:lnT>
+                    <a:lnB w="6350" cap="flat" cmpd="sng" algn="ctr">
+                      <a:solidFill>
+                        <a:schemeClr val="tx1"/>
+                      </a:solidFill>
+                      <a:prstDash val="solid"/>
+                      <a:round/>
+                      <a:headEnd type="none" w="med" len="med"/>
+                      <a:tailEnd type="none" w="med" len="med"/>
+                    </a:lnB>
+                    <a:solidFill>
+                      <a:schemeClr val="bg1"/>
+                    </a:solidFill>
+                  </a:tcPr>
+                </a:tc>
+              </a:tr>
+              <a:tr h="486029">
+                <a:tc>
+                  <a:txBody>
+                    <a:bodyPr/>
+                    <a:lstStyle/>
+                    <a:p>
+                      <a:pPr algn="ctr"/>
+                      <a:r>
+                        <a:rPr lang="en-US" altLang="ko-KR" sz="1000" b="0" dirty="0" smtClean="0">
+                          <a:solidFill>
+                            <a:schemeClr val="tx1"/>
+                          </a:solidFill>
+                        </a:rPr>
+                        <a:t>3</a:t>
+                      </a:r>
+                      <a:endParaRPr lang="ko-KR" altLang="en-US" sz="1000" b="0" dirty="0">
+                        <a:solidFill>
+                          <a:schemeClr val="tx1"/>
+                        </a:solidFill>
+                      </a:endParaRPr>
+                    </a:p>
+                  </a:txBody>
+                  <a:tcPr anchor="ctr">
+                    <a:lnL w="6350" cap="flat" cmpd="sng" algn="ctr">
+                      <a:solidFill>
+                        <a:schemeClr val="tx1"/>
+                      </a:solidFill>
+                      <a:prstDash val="solid"/>
+                      <a:round/>
+                      <a:headEnd type="none" w="med" len="med"/>
+                      <a:tailEnd type="none" w="med" len="med"/>
+                    </a:lnL>
+                    <a:lnR w="6350" cap="flat" cmpd="sng" algn="ctr">
+                      <a:solidFill>
+                        <a:schemeClr val="tx1"/>
+                      </a:solidFill>
+                      <a:prstDash val="solid"/>
+                      <a:round/>
+                      <a:headEnd type="none" w="med" len="med"/>
+                      <a:tailEnd type="none" w="med" len="med"/>
+                    </a:lnR>
+                    <a:lnT w="6350" cap="flat" cmpd="sng" algn="ctr">
+                      <a:solidFill>
+                        <a:schemeClr val="tx1"/>
+                      </a:solidFill>
+                      <a:prstDash val="solid"/>
+                      <a:round/>
+                      <a:headEnd type="none" w="med" len="med"/>
+                      <a:tailEnd type="none" w="med" len="med"/>
+                    </a:lnT>
+                    <a:lnB w="6350" cap="flat" cmpd="sng" algn="ctr">
+                      <a:solidFill>
+                        <a:schemeClr val="tx1"/>
+                      </a:solidFill>
+                      <a:prstDash val="solid"/>
+                      <a:round/>
+                      <a:headEnd type="none" w="med" len="med"/>
+                      <a:tailEnd type="none" w="med" len="med"/>
+                    </a:lnB>
+                    <a:solidFill>
+                      <a:schemeClr val="bg1"/>
+                    </a:solidFill>
+                  </a:tcPr>
+                </a:tc>
+                <a:tc>
+                  <a:txBody>
+                    <a:bodyPr/>
+                    <a:lstStyle/>
+                    <a:p>
+                      <a:pPr algn="ctr"/>
+                      <a:endParaRPr lang="ko-KR" altLang="en-US" sz="1000" b="0" dirty="0">
+                        <a:solidFill>
+                          <a:schemeClr val="tx1"/>
+                        </a:solidFill>
+                      </a:endParaRPr>
+                    </a:p>
+                  </a:txBody>
+                  <a:tcPr anchor="ctr">
+                    <a:lnL w="6350" cap="flat" cmpd="sng" algn="ctr">
+                      <a:solidFill>
+                        <a:schemeClr val="tx1"/>
+                      </a:solidFill>
+                      <a:prstDash val="solid"/>
+                      <a:round/>
+                      <a:headEnd type="none" w="med" len="med"/>
+                      <a:tailEnd type="none" w="med" len="med"/>
+                    </a:lnL>
+                    <a:lnR w="6350" cap="flat" cmpd="sng" algn="ctr">
+                      <a:solidFill>
+                        <a:schemeClr val="tx1"/>
+                      </a:solidFill>
+                      <a:prstDash val="solid"/>
+                      <a:round/>
+                      <a:headEnd type="none" w="med" len="med"/>
+                      <a:tailEnd type="none" w="med" len="med"/>
+                    </a:lnR>
+                    <a:lnT w="6350" cap="flat" cmpd="sng" algn="ctr">
+                      <a:solidFill>
+                        <a:schemeClr val="tx1"/>
+                      </a:solidFill>
+                      <a:prstDash val="solid"/>
+                      <a:round/>
+                      <a:headEnd type="none" w="med" len="med"/>
+                      <a:tailEnd type="none" w="med" len="med"/>
+                    </a:lnT>
+                    <a:lnB w="6350" cap="flat" cmpd="sng" algn="ctr">
+                      <a:solidFill>
+                        <a:schemeClr val="tx1"/>
+                      </a:solidFill>
+                      <a:prstDash val="solid"/>
+                      <a:round/>
+                      <a:headEnd type="none" w="med" len="med"/>
+                      <a:tailEnd type="none" w="med" len="med"/>
+                    </a:lnB>
+                    <a:solidFill>
+                      <a:schemeClr val="bg1"/>
+                    </a:solidFill>
+                  </a:tcPr>
+                </a:tc>
+              </a:tr>
+              <a:tr h="486029">
+                <a:tc>
+                  <a:txBody>
+                    <a:bodyPr/>
+                    <a:lstStyle/>
+                    <a:p>
+                      <a:pPr algn="ctr"/>
+                      <a:r>
+                        <a:rPr lang="en-US" altLang="ko-KR" sz="1000" b="0" dirty="0" smtClean="0">
+                          <a:solidFill>
+                            <a:schemeClr val="tx1"/>
+                          </a:solidFill>
+                        </a:rPr>
+                        <a:t>4</a:t>
+                      </a:r>
+                      <a:endParaRPr lang="ko-KR" altLang="en-US" sz="1000" b="0" dirty="0">
+                        <a:solidFill>
+                          <a:schemeClr val="tx1"/>
+                        </a:solidFill>
+                      </a:endParaRPr>
+                    </a:p>
+                  </a:txBody>
+                  <a:tcPr anchor="ctr">
+                    <a:lnL w="6350" cap="flat" cmpd="sng" algn="ctr">
+                      <a:solidFill>
+                        <a:schemeClr val="tx1"/>
+                      </a:solidFill>
+                      <a:prstDash val="solid"/>
+                      <a:round/>
+                      <a:headEnd type="none" w="med" len="med"/>
+                      <a:tailEnd type="none" w="med" len="med"/>
+                    </a:lnL>
+                    <a:lnR w="6350" cap="flat" cmpd="sng" algn="ctr">
+                      <a:solidFill>
+                        <a:schemeClr val="tx1"/>
+                      </a:solidFill>
+                      <a:prstDash val="solid"/>
+                      <a:round/>
+                      <a:headEnd type="none" w="med" len="med"/>
+                      <a:tailEnd type="none" w="med" len="med"/>
+                    </a:lnR>
+                    <a:lnT w="6350" cap="flat" cmpd="sng" algn="ctr">
+                      <a:solidFill>
+                        <a:schemeClr val="tx1"/>
+                      </a:solidFill>
+                      <a:prstDash val="solid"/>
+                      <a:round/>
+                      <a:headEnd type="none" w="med" len="med"/>
+                      <a:tailEnd type="none" w="med" len="med"/>
+                    </a:lnT>
+                    <a:lnB w="6350" cap="flat" cmpd="sng" algn="ctr">
+                      <a:solidFill>
+                        <a:schemeClr val="tx1"/>
+                      </a:solidFill>
+                      <a:prstDash val="solid"/>
+                      <a:round/>
+                      <a:headEnd type="none" w="med" len="med"/>
+                      <a:tailEnd type="none" w="med" len="med"/>
+                    </a:lnB>
+                    <a:solidFill>
+                      <a:schemeClr val="bg1"/>
+                    </a:solidFill>
+                  </a:tcPr>
+                </a:tc>
+                <a:tc>
+                  <a:txBody>
+                    <a:bodyPr/>
+                    <a:lstStyle/>
+                    <a:p>
+                      <a:pPr algn="ctr"/>
+                      <a:endParaRPr lang="ko-KR" altLang="en-US" sz="1000" b="0" dirty="0">
+                        <a:solidFill>
+                          <a:schemeClr val="tx1"/>
+                        </a:solidFill>
+                      </a:endParaRPr>
+                    </a:p>
+                  </a:txBody>
+                  <a:tcPr anchor="ctr">
+                    <a:lnL w="6350" cap="flat" cmpd="sng" algn="ctr">
+                      <a:solidFill>
+                        <a:schemeClr val="tx1"/>
+                      </a:solidFill>
+                      <a:prstDash val="solid"/>
+                      <a:round/>
+                      <a:headEnd type="none" w="med" len="med"/>
+                      <a:tailEnd type="none" w="med" len="med"/>
+                    </a:lnL>
+                    <a:lnR w="6350" cap="flat" cmpd="sng" algn="ctr">
+                      <a:solidFill>
+                        <a:schemeClr val="tx1"/>
+                      </a:solidFill>
+                      <a:prstDash val="solid"/>
+                      <a:round/>
+                      <a:headEnd type="none" w="med" len="med"/>
+                      <a:tailEnd type="none" w="med" len="med"/>
+                    </a:lnR>
+                    <a:lnT w="6350" cap="flat" cmpd="sng" algn="ctr">
+                      <a:solidFill>
+                        <a:schemeClr val="tx1"/>
+                      </a:solidFill>
+                      <a:prstDash val="solid"/>
+                      <a:round/>
+                      <a:headEnd type="none" w="med" len="med"/>
+                      <a:tailEnd type="none" w="med" len="med"/>
+                    </a:lnT>
+                    <a:lnB w="6350" cap="flat" cmpd="sng" algn="ctr">
+                      <a:solidFill>
+                        <a:schemeClr val="tx1"/>
+                      </a:solidFill>
+                      <a:prstDash val="solid"/>
+                      <a:round/>
+                      <a:headEnd type="none" w="med" len="med"/>
+                      <a:tailEnd type="none" w="med" len="med"/>
+                    </a:lnB>
+                    <a:solidFill>
+                      <a:schemeClr val="bg1"/>
+                    </a:solidFill>
+                  </a:tcPr>
+                </a:tc>
+              </a:tr>
+            </a:tbl>
+          </a:graphicData>
+        </a:graphic>
+      </p:graphicFrame>
     </p:spTree>
     <p:extLst>
       <p:ext uri="{BB962C8B-B14F-4D97-AF65-F5344CB8AC3E}">
@@ -14879,7 +15655,7 @@
           <p:cNvPr id="2" name="직사각형 1">
             <a:extLst>
               <a:ext uri="{FF2B5EF4-FFF2-40B4-BE49-F238E27FC236}">
-                <a16:creationId xmlns="" xmlns:a16="http://schemas.microsoft.com/office/drawing/2014/main" id="{8E5B996D-DF87-49E5-95D1-45B1EEB9EE9A}"/>
+                <a16:creationId xmlns:a16="http://schemas.microsoft.com/office/drawing/2014/main" xmlns="" id="{8E5B996D-DF87-49E5-95D1-45B1EEB9EE9A}"/>
               </a:ext>
             </a:extLst>
           </p:cNvPr>
@@ -14931,7 +15707,7 @@
           <p:cNvPr id="4" name="직사각형 3">
             <a:extLst>
               <a:ext uri="{FF2B5EF4-FFF2-40B4-BE49-F238E27FC236}">
-                <a16:creationId xmlns="" xmlns:a16="http://schemas.microsoft.com/office/drawing/2014/main" id="{080CEE4E-4BCA-42C3-BECA-9BCEB9931EEA}"/>
+                <a16:creationId xmlns:a16="http://schemas.microsoft.com/office/drawing/2014/main" xmlns="" id="{080CEE4E-4BCA-42C3-BECA-9BCEB9931EEA}"/>
               </a:ext>
             </a:extLst>
           </p:cNvPr>
@@ -14983,7 +15759,7 @@
           <p:cNvPr id="5" name="TextBox 4">
             <a:extLst>
               <a:ext uri="{FF2B5EF4-FFF2-40B4-BE49-F238E27FC236}">
-                <a16:creationId xmlns="" xmlns:a16="http://schemas.microsoft.com/office/drawing/2014/main" id="{D12B0B12-AB99-4F88-B4B2-948DADC833EA}"/>
+                <a16:creationId xmlns:a16="http://schemas.microsoft.com/office/drawing/2014/main" xmlns="" id="{D12B0B12-AB99-4F88-B4B2-948DADC833EA}"/>
               </a:ext>
             </a:extLst>
           </p:cNvPr>
@@ -15102,7 +15878,7 @@
           <p:cNvPr id="9" name="그림 8">
             <a:extLst>
               <a:ext uri="{FF2B5EF4-FFF2-40B4-BE49-F238E27FC236}">
-                <a16:creationId xmlns="" xmlns:a16="http://schemas.microsoft.com/office/drawing/2014/main" id="{0F0992E8-2696-42E6-805A-0C12780D8FA1}"/>
+                <a16:creationId xmlns:a16="http://schemas.microsoft.com/office/drawing/2014/main" xmlns="" id="{0F0992E8-2696-42E6-805A-0C12780D8FA1}"/>
               </a:ext>
             </a:extLst>
           </p:cNvPr>
@@ -18723,7 +19499,7 @@
           <p:cNvPr id="2" name="직사각형 1">
             <a:extLst>
               <a:ext uri="{FF2B5EF4-FFF2-40B4-BE49-F238E27FC236}">
-                <a16:creationId xmlns="" xmlns:a16="http://schemas.microsoft.com/office/drawing/2014/main" id="{8E5B996D-DF87-49E5-95D1-45B1EEB9EE9A}"/>
+                <a16:creationId xmlns:a16="http://schemas.microsoft.com/office/drawing/2014/main" xmlns="" id="{8E5B996D-DF87-49E5-95D1-45B1EEB9EE9A}"/>
               </a:ext>
             </a:extLst>
           </p:cNvPr>
@@ -18775,7 +19551,7 @@
           <p:cNvPr id="4" name="직사각형 3">
             <a:extLst>
               <a:ext uri="{FF2B5EF4-FFF2-40B4-BE49-F238E27FC236}">
-                <a16:creationId xmlns="" xmlns:a16="http://schemas.microsoft.com/office/drawing/2014/main" id="{080CEE4E-4BCA-42C3-BECA-9BCEB9931EEA}"/>
+                <a16:creationId xmlns:a16="http://schemas.microsoft.com/office/drawing/2014/main" xmlns="" id="{080CEE4E-4BCA-42C3-BECA-9BCEB9931EEA}"/>
               </a:ext>
             </a:extLst>
           </p:cNvPr>
@@ -18827,7 +19603,7 @@
           <p:cNvPr id="5" name="TextBox 4">
             <a:extLst>
               <a:ext uri="{FF2B5EF4-FFF2-40B4-BE49-F238E27FC236}">
-                <a16:creationId xmlns="" xmlns:a16="http://schemas.microsoft.com/office/drawing/2014/main" id="{D12B0B12-AB99-4F88-B4B2-948DADC833EA}"/>
+                <a16:creationId xmlns:a16="http://schemas.microsoft.com/office/drawing/2014/main" xmlns="" id="{D12B0B12-AB99-4F88-B4B2-948DADC833EA}"/>
               </a:ext>
             </a:extLst>
           </p:cNvPr>
@@ -18946,7 +19722,7 @@
           <p:cNvPr id="9" name="그림 8">
             <a:extLst>
               <a:ext uri="{FF2B5EF4-FFF2-40B4-BE49-F238E27FC236}">
-                <a16:creationId xmlns="" xmlns:a16="http://schemas.microsoft.com/office/drawing/2014/main" id="{0F0992E8-2696-42E6-805A-0C12780D8FA1}"/>
+                <a16:creationId xmlns:a16="http://schemas.microsoft.com/office/drawing/2014/main" xmlns="" id="{0F0992E8-2696-42E6-805A-0C12780D8FA1}"/>
               </a:ext>
             </a:extLst>
           </p:cNvPr>
@@ -20147,7 +20923,7 @@
           <p:cNvPr id="4" name="그림 3" descr="실내, 사람이(가) 표시된 사진&#10;&#10;자동 생성된 설명">
             <a:extLst>
               <a:ext uri="{FF2B5EF4-FFF2-40B4-BE49-F238E27FC236}">
-                <a16:creationId xmlns="" xmlns:a16="http://schemas.microsoft.com/office/drawing/2014/main" id="{4D077A45-DF2B-4618-9394-A141B13B1420}"/>
+                <a16:creationId xmlns:a16="http://schemas.microsoft.com/office/drawing/2014/main" xmlns="" id="{4D077A45-DF2B-4618-9394-A141B13B1420}"/>
               </a:ext>
             </a:extLst>
           </p:cNvPr>
@@ -20183,7 +20959,7 @@
           <p:cNvPr id="5" name="TextBox 4">
             <a:extLst>
               <a:ext uri="{FF2B5EF4-FFF2-40B4-BE49-F238E27FC236}">
-                <a16:creationId xmlns="" xmlns:a16="http://schemas.microsoft.com/office/drawing/2014/main" id="{23D82F33-5629-4A89-96F7-5348A5E7BF64}"/>
+                <a16:creationId xmlns:a16="http://schemas.microsoft.com/office/drawing/2014/main" xmlns="" id="{23D82F33-5629-4A89-96F7-5348A5E7BF64}"/>
               </a:ext>
             </a:extLst>
           </p:cNvPr>
@@ -20274,7 +21050,7 @@
           <p:cNvPr id="15" name="그룹 14">
             <a:extLst>
               <a:ext uri="{FF2B5EF4-FFF2-40B4-BE49-F238E27FC236}">
-                <a16:creationId xmlns="" xmlns:a16="http://schemas.microsoft.com/office/drawing/2014/main" id="{B7536413-EBBF-45BD-956C-DBF04F557F50}"/>
+                <a16:creationId xmlns:a16="http://schemas.microsoft.com/office/drawing/2014/main" xmlns="" id="{B7536413-EBBF-45BD-956C-DBF04F557F50}"/>
               </a:ext>
             </a:extLst>
           </p:cNvPr>
@@ -20294,7 +21070,7 @@
             <p:cNvPr id="8" name="직사각형 7">
               <a:extLst>
                 <a:ext uri="{FF2B5EF4-FFF2-40B4-BE49-F238E27FC236}">
-                  <a16:creationId xmlns="" xmlns:a16="http://schemas.microsoft.com/office/drawing/2014/main" id="{F11A9128-76C8-4335-872F-E85671129C65}"/>
+                  <a16:creationId xmlns:a16="http://schemas.microsoft.com/office/drawing/2014/main" xmlns="" id="{F11A9128-76C8-4335-872F-E85671129C65}"/>
                 </a:ext>
               </a:extLst>
             </p:cNvPr>
@@ -20346,7 +21122,7 @@
             <p:cNvPr id="14" name="이등변 삼각형 13">
               <a:extLst>
                 <a:ext uri="{FF2B5EF4-FFF2-40B4-BE49-F238E27FC236}">
-                  <a16:creationId xmlns="" xmlns:a16="http://schemas.microsoft.com/office/drawing/2014/main" id="{2C330ABB-6ACB-46E7-B89D-15EBDBF22119}"/>
+                  <a16:creationId xmlns:a16="http://schemas.microsoft.com/office/drawing/2014/main" xmlns="" id="{2C330ABB-6ACB-46E7-B89D-15EBDBF22119}"/>
                 </a:ext>
               </a:extLst>
             </p:cNvPr>
@@ -20399,7 +21175,7 @@
           <p:cNvPr id="2" name="직사각형 1">
             <a:extLst>
               <a:ext uri="{FF2B5EF4-FFF2-40B4-BE49-F238E27FC236}">
-                <a16:creationId xmlns="" xmlns:a16="http://schemas.microsoft.com/office/drawing/2014/main" id="{8E5B996D-DF87-49E5-95D1-45B1EEB9EE9A}"/>
+                <a16:creationId xmlns:a16="http://schemas.microsoft.com/office/drawing/2014/main" xmlns="" id="{8E5B996D-DF87-49E5-95D1-45B1EEB9EE9A}"/>
               </a:ext>
             </a:extLst>
           </p:cNvPr>
@@ -20451,7 +21227,7 @@
           <p:cNvPr id="4" name="직사각형 3">
             <a:extLst>
               <a:ext uri="{FF2B5EF4-FFF2-40B4-BE49-F238E27FC236}">
-                <a16:creationId xmlns="" xmlns:a16="http://schemas.microsoft.com/office/drawing/2014/main" id="{080CEE4E-4BCA-42C3-BECA-9BCEB9931EEA}"/>
+                <a16:creationId xmlns:a16="http://schemas.microsoft.com/office/drawing/2014/main" xmlns="" id="{080CEE4E-4BCA-42C3-BECA-9BCEB9931EEA}"/>
               </a:ext>
             </a:extLst>
           </p:cNvPr>
@@ -20503,7 +21279,7 @@
           <p:cNvPr id="5" name="TextBox 4">
             <a:extLst>
               <a:ext uri="{FF2B5EF4-FFF2-40B4-BE49-F238E27FC236}">
-                <a16:creationId xmlns="" xmlns:a16="http://schemas.microsoft.com/office/drawing/2014/main" id="{D12B0B12-AB99-4F88-B4B2-948DADC833EA}"/>
+                <a16:creationId xmlns:a16="http://schemas.microsoft.com/office/drawing/2014/main" xmlns="" id="{D12B0B12-AB99-4F88-B4B2-948DADC833EA}"/>
               </a:ext>
             </a:extLst>
           </p:cNvPr>
@@ -20622,7 +21398,7 @@
           <p:cNvPr id="9" name="그림 8">
             <a:extLst>
               <a:ext uri="{FF2B5EF4-FFF2-40B4-BE49-F238E27FC236}">
-                <a16:creationId xmlns="" xmlns:a16="http://schemas.microsoft.com/office/drawing/2014/main" id="{0F0992E8-2696-42E6-805A-0C12780D8FA1}"/>
+                <a16:creationId xmlns:a16="http://schemas.microsoft.com/office/drawing/2014/main" xmlns="" id="{0F0992E8-2696-42E6-805A-0C12780D8FA1}"/>
               </a:ext>
             </a:extLst>
           </p:cNvPr>
@@ -20657,7 +21433,7 @@
           <p:cNvPr id="12" name="TextBox 11">
             <a:extLst>
               <a:ext uri="{FF2B5EF4-FFF2-40B4-BE49-F238E27FC236}">
-                <a16:creationId xmlns="" xmlns:a16="http://schemas.microsoft.com/office/drawing/2014/main" id="{7FA4A435-72AD-4E57-8841-4A73CE0EA391}"/>
+                <a16:creationId xmlns:a16="http://schemas.microsoft.com/office/drawing/2014/main" xmlns="" id="{7FA4A435-72AD-4E57-8841-4A73CE0EA391}"/>
               </a:ext>
             </a:extLst>
           </p:cNvPr>
@@ -20809,7 +21585,7 @@
           <p:cNvPr id="2" name="직사각형 1">
             <a:extLst>
               <a:ext uri="{FF2B5EF4-FFF2-40B4-BE49-F238E27FC236}">
-                <a16:creationId xmlns="" xmlns:a16="http://schemas.microsoft.com/office/drawing/2014/main" id="{8E5B996D-DF87-49E5-95D1-45B1EEB9EE9A}"/>
+                <a16:creationId xmlns:a16="http://schemas.microsoft.com/office/drawing/2014/main" xmlns="" id="{8E5B996D-DF87-49E5-95D1-45B1EEB9EE9A}"/>
               </a:ext>
             </a:extLst>
           </p:cNvPr>
@@ -20861,7 +21637,7 @@
           <p:cNvPr id="4" name="직사각형 3">
             <a:extLst>
               <a:ext uri="{FF2B5EF4-FFF2-40B4-BE49-F238E27FC236}">
-                <a16:creationId xmlns="" xmlns:a16="http://schemas.microsoft.com/office/drawing/2014/main" id="{080CEE4E-4BCA-42C3-BECA-9BCEB9931EEA}"/>
+                <a16:creationId xmlns:a16="http://schemas.microsoft.com/office/drawing/2014/main" xmlns="" id="{080CEE4E-4BCA-42C3-BECA-9BCEB9931EEA}"/>
               </a:ext>
             </a:extLst>
           </p:cNvPr>
@@ -20913,7 +21689,7 @@
           <p:cNvPr id="5" name="TextBox 4">
             <a:extLst>
               <a:ext uri="{FF2B5EF4-FFF2-40B4-BE49-F238E27FC236}">
-                <a16:creationId xmlns="" xmlns:a16="http://schemas.microsoft.com/office/drawing/2014/main" id="{D12B0B12-AB99-4F88-B4B2-948DADC833EA}"/>
+                <a16:creationId xmlns:a16="http://schemas.microsoft.com/office/drawing/2014/main" xmlns="" id="{D12B0B12-AB99-4F88-B4B2-948DADC833EA}"/>
               </a:ext>
             </a:extLst>
           </p:cNvPr>
@@ -20996,7 +21772,7 @@
           <p:cNvPr id="9" name="그림 8">
             <a:extLst>
               <a:ext uri="{FF2B5EF4-FFF2-40B4-BE49-F238E27FC236}">
-                <a16:creationId xmlns="" xmlns:a16="http://schemas.microsoft.com/office/drawing/2014/main" id="{0F0992E8-2696-42E6-805A-0C12780D8FA1}"/>
+                <a16:creationId xmlns:a16="http://schemas.microsoft.com/office/drawing/2014/main" xmlns="" id="{0F0992E8-2696-42E6-805A-0C12780D8FA1}"/>
               </a:ext>
             </a:extLst>
           </p:cNvPr>
@@ -21300,7 +22076,7 @@
           <p:cNvPr id="2" name="직사각형 1">
             <a:extLst>
               <a:ext uri="{FF2B5EF4-FFF2-40B4-BE49-F238E27FC236}">
-                <a16:creationId xmlns="" xmlns:a16="http://schemas.microsoft.com/office/drawing/2014/main" id="{8E5B996D-DF87-49E5-95D1-45B1EEB9EE9A}"/>
+                <a16:creationId xmlns:a16="http://schemas.microsoft.com/office/drawing/2014/main" xmlns="" id="{8E5B996D-DF87-49E5-95D1-45B1EEB9EE9A}"/>
               </a:ext>
             </a:extLst>
           </p:cNvPr>
@@ -21352,7 +22128,7 @@
           <p:cNvPr id="4" name="직사각형 3">
             <a:extLst>
               <a:ext uri="{FF2B5EF4-FFF2-40B4-BE49-F238E27FC236}">
-                <a16:creationId xmlns="" xmlns:a16="http://schemas.microsoft.com/office/drawing/2014/main" id="{080CEE4E-4BCA-42C3-BECA-9BCEB9931EEA}"/>
+                <a16:creationId xmlns:a16="http://schemas.microsoft.com/office/drawing/2014/main" xmlns="" id="{080CEE4E-4BCA-42C3-BECA-9BCEB9931EEA}"/>
               </a:ext>
             </a:extLst>
           </p:cNvPr>
@@ -21404,7 +22180,7 @@
           <p:cNvPr id="5" name="TextBox 4">
             <a:extLst>
               <a:ext uri="{FF2B5EF4-FFF2-40B4-BE49-F238E27FC236}">
-                <a16:creationId xmlns="" xmlns:a16="http://schemas.microsoft.com/office/drawing/2014/main" id="{D12B0B12-AB99-4F88-B4B2-948DADC833EA}"/>
+                <a16:creationId xmlns:a16="http://schemas.microsoft.com/office/drawing/2014/main" xmlns="" id="{D12B0B12-AB99-4F88-B4B2-948DADC833EA}"/>
               </a:ext>
             </a:extLst>
           </p:cNvPr>
@@ -21523,7 +22299,7 @@
           <p:cNvPr id="9" name="그림 8">
             <a:extLst>
               <a:ext uri="{FF2B5EF4-FFF2-40B4-BE49-F238E27FC236}">
-                <a16:creationId xmlns="" xmlns:a16="http://schemas.microsoft.com/office/drawing/2014/main" id="{0F0992E8-2696-42E6-805A-0C12780D8FA1}"/>
+                <a16:creationId xmlns:a16="http://schemas.microsoft.com/office/drawing/2014/main" xmlns="" id="{0F0992E8-2696-42E6-805A-0C12780D8FA1}"/>
               </a:ext>
             </a:extLst>
           </p:cNvPr>
@@ -21595,7 +22371,7 @@
           <p:cNvPr id="2" name="직사각형 1">
             <a:extLst>
               <a:ext uri="{FF2B5EF4-FFF2-40B4-BE49-F238E27FC236}">
-                <a16:creationId xmlns="" xmlns:a16="http://schemas.microsoft.com/office/drawing/2014/main" id="{8E5B996D-DF87-49E5-95D1-45B1EEB9EE9A}"/>
+                <a16:creationId xmlns:a16="http://schemas.microsoft.com/office/drawing/2014/main" xmlns="" id="{8E5B996D-DF87-49E5-95D1-45B1EEB9EE9A}"/>
               </a:ext>
             </a:extLst>
           </p:cNvPr>
@@ -21647,7 +22423,7 @@
           <p:cNvPr id="4" name="직사각형 3">
             <a:extLst>
               <a:ext uri="{FF2B5EF4-FFF2-40B4-BE49-F238E27FC236}">
-                <a16:creationId xmlns="" xmlns:a16="http://schemas.microsoft.com/office/drawing/2014/main" id="{080CEE4E-4BCA-42C3-BECA-9BCEB9931EEA}"/>
+                <a16:creationId xmlns:a16="http://schemas.microsoft.com/office/drawing/2014/main" xmlns="" id="{080CEE4E-4BCA-42C3-BECA-9BCEB9931EEA}"/>
               </a:ext>
             </a:extLst>
           </p:cNvPr>
@@ -21699,7 +22475,7 @@
           <p:cNvPr id="5" name="TextBox 4">
             <a:extLst>
               <a:ext uri="{FF2B5EF4-FFF2-40B4-BE49-F238E27FC236}">
-                <a16:creationId xmlns="" xmlns:a16="http://schemas.microsoft.com/office/drawing/2014/main" id="{D12B0B12-AB99-4F88-B4B2-948DADC833EA}"/>
+                <a16:creationId xmlns:a16="http://schemas.microsoft.com/office/drawing/2014/main" xmlns="" id="{D12B0B12-AB99-4F88-B4B2-948DADC833EA}"/>
               </a:ext>
             </a:extLst>
           </p:cNvPr>
@@ -21818,7 +22594,7 @@
           <p:cNvPr id="9" name="그림 8">
             <a:extLst>
               <a:ext uri="{FF2B5EF4-FFF2-40B4-BE49-F238E27FC236}">
-                <a16:creationId xmlns="" xmlns:a16="http://schemas.microsoft.com/office/drawing/2014/main" id="{0F0992E8-2696-42E6-805A-0C12780D8FA1}"/>
+                <a16:creationId xmlns:a16="http://schemas.microsoft.com/office/drawing/2014/main" xmlns="" id="{0F0992E8-2696-42E6-805A-0C12780D8FA1}"/>
               </a:ext>
             </a:extLst>
           </p:cNvPr>
@@ -21891,7 +22667,7 @@
           <p:cNvPr id="2" name="직사각형 1">
             <a:extLst>
               <a:ext uri="{FF2B5EF4-FFF2-40B4-BE49-F238E27FC236}">
-                <a16:creationId xmlns="" xmlns:a16="http://schemas.microsoft.com/office/drawing/2014/main" id="{8E5B996D-DF87-49E5-95D1-45B1EEB9EE9A}"/>
+                <a16:creationId xmlns:a16="http://schemas.microsoft.com/office/drawing/2014/main" xmlns="" id="{8E5B996D-DF87-49E5-95D1-45B1EEB9EE9A}"/>
               </a:ext>
             </a:extLst>
           </p:cNvPr>
@@ -21943,7 +22719,7 @@
           <p:cNvPr id="4" name="직사각형 3">
             <a:extLst>
               <a:ext uri="{FF2B5EF4-FFF2-40B4-BE49-F238E27FC236}">
-                <a16:creationId xmlns="" xmlns:a16="http://schemas.microsoft.com/office/drawing/2014/main" id="{080CEE4E-4BCA-42C3-BECA-9BCEB9931EEA}"/>
+                <a16:creationId xmlns:a16="http://schemas.microsoft.com/office/drawing/2014/main" xmlns="" id="{080CEE4E-4BCA-42C3-BECA-9BCEB9931EEA}"/>
               </a:ext>
             </a:extLst>
           </p:cNvPr>
@@ -21995,7 +22771,7 @@
           <p:cNvPr id="5" name="TextBox 4">
             <a:extLst>
               <a:ext uri="{FF2B5EF4-FFF2-40B4-BE49-F238E27FC236}">
-                <a16:creationId xmlns="" xmlns:a16="http://schemas.microsoft.com/office/drawing/2014/main" id="{D12B0B12-AB99-4F88-B4B2-948DADC833EA}"/>
+                <a16:creationId xmlns:a16="http://schemas.microsoft.com/office/drawing/2014/main" xmlns="" id="{D12B0B12-AB99-4F88-B4B2-948DADC833EA}"/>
               </a:ext>
             </a:extLst>
           </p:cNvPr>
@@ -22114,7 +22890,7 @@
           <p:cNvPr id="9" name="그림 8">
             <a:extLst>
               <a:ext uri="{FF2B5EF4-FFF2-40B4-BE49-F238E27FC236}">
-                <a16:creationId xmlns="" xmlns:a16="http://schemas.microsoft.com/office/drawing/2014/main" id="{0F0992E8-2696-42E6-805A-0C12780D8FA1}"/>
+                <a16:creationId xmlns:a16="http://schemas.microsoft.com/office/drawing/2014/main" xmlns="" id="{0F0992E8-2696-42E6-805A-0C12780D8FA1}"/>
               </a:ext>
             </a:extLst>
           </p:cNvPr>
@@ -22515,7 +23291,7 @@
           <p:cNvPr id="2" name="직사각형 1">
             <a:extLst>
               <a:ext uri="{FF2B5EF4-FFF2-40B4-BE49-F238E27FC236}">
-                <a16:creationId xmlns="" xmlns:a16="http://schemas.microsoft.com/office/drawing/2014/main" id="{8E5B996D-DF87-49E5-95D1-45B1EEB9EE9A}"/>
+                <a16:creationId xmlns:a16="http://schemas.microsoft.com/office/drawing/2014/main" xmlns="" id="{8E5B996D-DF87-49E5-95D1-45B1EEB9EE9A}"/>
               </a:ext>
             </a:extLst>
           </p:cNvPr>
@@ -22567,7 +23343,7 @@
           <p:cNvPr id="4" name="직사각형 3">
             <a:extLst>
               <a:ext uri="{FF2B5EF4-FFF2-40B4-BE49-F238E27FC236}">
-                <a16:creationId xmlns="" xmlns:a16="http://schemas.microsoft.com/office/drawing/2014/main" id="{080CEE4E-4BCA-42C3-BECA-9BCEB9931EEA}"/>
+                <a16:creationId xmlns:a16="http://schemas.microsoft.com/office/drawing/2014/main" xmlns="" id="{080CEE4E-4BCA-42C3-BECA-9BCEB9931EEA}"/>
               </a:ext>
             </a:extLst>
           </p:cNvPr>
@@ -22619,7 +23395,7 @@
           <p:cNvPr id="5" name="TextBox 4">
             <a:extLst>
               <a:ext uri="{FF2B5EF4-FFF2-40B4-BE49-F238E27FC236}">
-                <a16:creationId xmlns="" xmlns:a16="http://schemas.microsoft.com/office/drawing/2014/main" id="{D12B0B12-AB99-4F88-B4B2-948DADC833EA}"/>
+                <a16:creationId xmlns:a16="http://schemas.microsoft.com/office/drawing/2014/main" xmlns="" id="{D12B0B12-AB99-4F88-B4B2-948DADC833EA}"/>
               </a:ext>
             </a:extLst>
           </p:cNvPr>
@@ -22738,7 +23514,7 @@
           <p:cNvPr id="9" name="그림 8">
             <a:extLst>
               <a:ext uri="{FF2B5EF4-FFF2-40B4-BE49-F238E27FC236}">
-                <a16:creationId xmlns="" xmlns:a16="http://schemas.microsoft.com/office/drawing/2014/main" id="{0F0992E8-2696-42E6-805A-0C12780D8FA1}"/>
+                <a16:creationId xmlns:a16="http://schemas.microsoft.com/office/drawing/2014/main" xmlns="" id="{0F0992E8-2696-42E6-805A-0C12780D8FA1}"/>
               </a:ext>
             </a:extLst>
           </p:cNvPr>
@@ -23299,7 +24075,7 @@
           <p:cNvPr id="2" name="직사각형 1">
             <a:extLst>
               <a:ext uri="{FF2B5EF4-FFF2-40B4-BE49-F238E27FC236}">
-                <a16:creationId xmlns="" xmlns:a16="http://schemas.microsoft.com/office/drawing/2014/main" id="{8E5B996D-DF87-49E5-95D1-45B1EEB9EE9A}"/>
+                <a16:creationId xmlns:a16="http://schemas.microsoft.com/office/drawing/2014/main" xmlns="" id="{8E5B996D-DF87-49E5-95D1-45B1EEB9EE9A}"/>
               </a:ext>
             </a:extLst>
           </p:cNvPr>
@@ -23351,7 +24127,7 @@
           <p:cNvPr id="4" name="직사각형 3">
             <a:extLst>
               <a:ext uri="{FF2B5EF4-FFF2-40B4-BE49-F238E27FC236}">
-                <a16:creationId xmlns="" xmlns:a16="http://schemas.microsoft.com/office/drawing/2014/main" id="{080CEE4E-4BCA-42C3-BECA-9BCEB9931EEA}"/>
+                <a16:creationId xmlns:a16="http://schemas.microsoft.com/office/drawing/2014/main" xmlns="" id="{080CEE4E-4BCA-42C3-BECA-9BCEB9931EEA}"/>
               </a:ext>
             </a:extLst>
           </p:cNvPr>
@@ -23403,7 +24179,7 @@
           <p:cNvPr id="5" name="TextBox 4">
             <a:extLst>
               <a:ext uri="{FF2B5EF4-FFF2-40B4-BE49-F238E27FC236}">
-                <a16:creationId xmlns="" xmlns:a16="http://schemas.microsoft.com/office/drawing/2014/main" id="{D12B0B12-AB99-4F88-B4B2-948DADC833EA}"/>
+                <a16:creationId xmlns:a16="http://schemas.microsoft.com/office/drawing/2014/main" xmlns="" id="{D12B0B12-AB99-4F88-B4B2-948DADC833EA}"/>
               </a:ext>
             </a:extLst>
           </p:cNvPr>
@@ -23522,7 +24298,7 @@
           <p:cNvPr id="9" name="그림 8">
             <a:extLst>
               <a:ext uri="{FF2B5EF4-FFF2-40B4-BE49-F238E27FC236}">
-                <a16:creationId xmlns="" xmlns:a16="http://schemas.microsoft.com/office/drawing/2014/main" id="{0F0992E8-2696-42E6-805A-0C12780D8FA1}"/>
+                <a16:creationId xmlns:a16="http://schemas.microsoft.com/office/drawing/2014/main" xmlns="" id="{0F0992E8-2696-42E6-805A-0C12780D8FA1}"/>
               </a:ext>
             </a:extLst>
           </p:cNvPr>
@@ -28776,7 +29552,7 @@
           <p:cNvPr id="2" name="직사각형 1">
             <a:extLst>
               <a:ext uri="{FF2B5EF4-FFF2-40B4-BE49-F238E27FC236}">
-                <a16:creationId xmlns="" xmlns:a16="http://schemas.microsoft.com/office/drawing/2014/main" id="{8E5B996D-DF87-49E5-95D1-45B1EEB9EE9A}"/>
+                <a16:creationId xmlns:a16="http://schemas.microsoft.com/office/drawing/2014/main" xmlns="" id="{8E5B996D-DF87-49E5-95D1-45B1EEB9EE9A}"/>
               </a:ext>
             </a:extLst>
           </p:cNvPr>
@@ -28828,7 +29604,7 @@
           <p:cNvPr id="4" name="직사각형 3">
             <a:extLst>
               <a:ext uri="{FF2B5EF4-FFF2-40B4-BE49-F238E27FC236}">
-                <a16:creationId xmlns="" xmlns:a16="http://schemas.microsoft.com/office/drawing/2014/main" id="{080CEE4E-4BCA-42C3-BECA-9BCEB9931EEA}"/>
+                <a16:creationId xmlns:a16="http://schemas.microsoft.com/office/drawing/2014/main" xmlns="" id="{080CEE4E-4BCA-42C3-BECA-9BCEB9931EEA}"/>
               </a:ext>
             </a:extLst>
           </p:cNvPr>
@@ -28880,7 +29656,7 @@
           <p:cNvPr id="5" name="TextBox 4">
             <a:extLst>
               <a:ext uri="{FF2B5EF4-FFF2-40B4-BE49-F238E27FC236}">
-                <a16:creationId xmlns="" xmlns:a16="http://schemas.microsoft.com/office/drawing/2014/main" id="{D12B0B12-AB99-4F88-B4B2-948DADC833EA}"/>
+                <a16:creationId xmlns:a16="http://schemas.microsoft.com/office/drawing/2014/main" xmlns="" id="{D12B0B12-AB99-4F88-B4B2-948DADC833EA}"/>
               </a:ext>
             </a:extLst>
           </p:cNvPr>
@@ -28999,7 +29775,7 @@
           <p:cNvPr id="9" name="그림 8">
             <a:extLst>
               <a:ext uri="{FF2B5EF4-FFF2-40B4-BE49-F238E27FC236}">
-                <a16:creationId xmlns="" xmlns:a16="http://schemas.microsoft.com/office/drawing/2014/main" id="{0F0992E8-2696-42E6-805A-0C12780D8FA1}"/>
+                <a16:creationId xmlns:a16="http://schemas.microsoft.com/office/drawing/2014/main" xmlns="" id="{0F0992E8-2696-42E6-805A-0C12780D8FA1}"/>
               </a:ext>
             </a:extLst>
           </p:cNvPr>
